--- a/Support_Live_Music_Project1_Group4.pptx
+++ b/Support_Live_Music_Project1_Group4.pptx
@@ -115,6 +115,11 @@
       </a:defRPr>
     </a:lvl9pPr>
   </p:defaultTextStyle>
+  <p:extLst>
+    <p:ext uri="{EFAFB233-063F-42B5-8137-9DF3F51BA10A}">
+      <p15:sldGuideLst xmlns:p15="http://schemas.microsoft.com/office/powerpoint/2012/main"/>
+    </p:ext>
+  </p:extLst>
 </p:presentation>
 </file>
 
@@ -344,7 +349,7 @@
           <a:p>
             <a:fld id="{DC2F96AA-93CC-471B-9B55-9675E116324B}" type="datetimeFigureOut">
               <a:rPr lang="en-US" smtClean="0"/>
-              <a:t>11/16/2023</a:t>
+              <a:t>11/18/2023</a:t>
             </a:fld>
             <a:endParaRPr lang="en-US"/>
           </a:p>
@@ -552,7 +557,7 @@
           <a:p>
             <a:fld id="{DC2F96AA-93CC-471B-9B55-9675E116324B}" type="datetimeFigureOut">
               <a:rPr lang="en-US" smtClean="0"/>
-              <a:t>11/16/2023</a:t>
+              <a:t>11/18/2023</a:t>
             </a:fld>
             <a:endParaRPr lang="en-US"/>
           </a:p>
@@ -808,7 +813,7 @@
           <a:p>
             <a:fld id="{DC2F96AA-93CC-471B-9B55-9675E116324B}" type="datetimeFigureOut">
               <a:rPr lang="en-US" smtClean="0"/>
-              <a:t>11/16/2023</a:t>
+              <a:t>11/18/2023</a:t>
             </a:fld>
             <a:endParaRPr lang="en-US"/>
           </a:p>
@@ -978,7 +983,7 @@
           <a:p>
             <a:fld id="{DC2F96AA-93CC-471B-9B55-9675E116324B}" type="datetimeFigureOut">
               <a:rPr lang="en-US" smtClean="0"/>
-              <a:t>11/16/2023</a:t>
+              <a:t>11/18/2023</a:t>
             </a:fld>
             <a:endParaRPr lang="en-US"/>
           </a:p>
@@ -1321,7 +1326,7 @@
           <a:p>
             <a:fld id="{DC2F96AA-93CC-471B-9B55-9675E116324B}" type="datetimeFigureOut">
               <a:rPr lang="en-US" smtClean="0"/>
-              <a:t>11/16/2023</a:t>
+              <a:t>11/18/2023</a:t>
             </a:fld>
             <a:endParaRPr lang="en-US"/>
           </a:p>
@@ -1596,7 +1601,7 @@
           <a:p>
             <a:fld id="{DC2F96AA-93CC-471B-9B55-9675E116324B}" type="datetimeFigureOut">
               <a:rPr lang="en-US" smtClean="0"/>
-              <a:t>11/16/2023</a:t>
+              <a:t>11/18/2023</a:t>
             </a:fld>
             <a:endParaRPr lang="en-US"/>
           </a:p>
@@ -1975,7 +1980,7 @@
           <a:p>
             <a:fld id="{DC2F96AA-93CC-471B-9B55-9675E116324B}" type="datetimeFigureOut">
               <a:rPr lang="en-US" smtClean="0"/>
-              <a:t>11/16/2023</a:t>
+              <a:t>11/18/2023</a:t>
             </a:fld>
             <a:endParaRPr lang="en-US"/>
           </a:p>
@@ -2093,7 +2098,7 @@
           <a:p>
             <a:fld id="{DC2F96AA-93CC-471B-9B55-9675E116324B}" type="datetimeFigureOut">
               <a:rPr lang="en-US" smtClean="0"/>
-              <a:t>11/16/2023</a:t>
+              <a:t>11/18/2023</a:t>
             </a:fld>
             <a:endParaRPr lang="en-US"/>
           </a:p>
@@ -2264,7 +2269,7 @@
           <a:p>
             <a:fld id="{DC2F96AA-93CC-471B-9B55-9675E116324B}" type="datetimeFigureOut">
               <a:rPr lang="en-US" smtClean="0"/>
-              <a:t>11/16/2023</a:t>
+              <a:t>11/18/2023</a:t>
             </a:fld>
             <a:endParaRPr lang="en-US"/>
           </a:p>
@@ -2618,7 +2623,7 @@
           <a:p>
             <a:fld id="{DC2F96AA-93CC-471B-9B55-9675E116324B}" type="datetimeFigureOut">
               <a:rPr lang="en-US" smtClean="0"/>
-              <a:t>11/16/2023</a:t>
+              <a:t>11/18/2023</a:t>
             </a:fld>
             <a:endParaRPr lang="en-US"/>
           </a:p>
@@ -2995,7 +3000,7 @@
           <a:p>
             <a:fld id="{DC2F96AA-93CC-471B-9B55-9675E116324B}" type="datetimeFigureOut">
               <a:rPr lang="en-US" smtClean="0"/>
-              <a:t>11/16/2023</a:t>
+              <a:t>11/18/2023</a:t>
             </a:fld>
             <a:endParaRPr lang="en-US"/>
           </a:p>
@@ -3282,7 +3287,7 @@
           <a:p>
             <a:fld id="{DC2F96AA-93CC-471B-9B55-9675E116324B}" type="datetimeFigureOut">
               <a:rPr lang="en-US" smtClean="0"/>
-              <a:t>11/16/2023</a:t>
+              <a:t>11/18/2023</a:t>
             </a:fld>
             <a:endParaRPr lang="en-US"/>
           </a:p>
@@ -3957,31 +3962,6 @@
       </p:sp>
       <p:sp>
         <p:nvSpPr>
-          <p:cNvPr id="3" name="Content Placeholder 2">
-            <a:extLst>
-              <a:ext uri="{FF2B5EF4-FFF2-40B4-BE49-F238E27FC236}">
-                <a16:creationId xmlns:a16="http://schemas.microsoft.com/office/drawing/2014/main" id="{4F5362A3-BB2B-E75A-13E4-8D89E8426E79}"/>
-              </a:ext>
-            </a:extLst>
-          </p:cNvPr>
-          <p:cNvSpPr>
-            <a:spLocks noGrp="1"/>
-          </p:cNvSpPr>
-          <p:nvPr>
-            <p:ph idx="1"/>
-          </p:nvPr>
-        </p:nvSpPr>
-        <p:spPr/>
-        <p:txBody>
-          <a:bodyPr/>
-          <a:lstStyle/>
-          <a:p>
-            <a:endParaRPr lang="en-US" dirty="0"/>
-          </a:p>
-        </p:txBody>
-      </p:sp>
-      <p:sp>
-        <p:nvSpPr>
           <p:cNvPr id="4" name="TextBox 3">
             <a:extLst>
               <a:ext uri="{FF2B5EF4-FFF2-40B4-BE49-F238E27FC236}">
@@ -4021,6 +4001,36 @@
           </a:p>
         </p:txBody>
       </p:sp>
+      <p:pic>
+        <p:nvPicPr>
+          <p:cNvPr id="6" name="Picture 5">
+            <a:extLst>
+              <a:ext uri="{FF2B5EF4-FFF2-40B4-BE49-F238E27FC236}">
+                <a16:creationId xmlns:a16="http://schemas.microsoft.com/office/drawing/2014/main" id="{54C26D11-4445-A8D0-6D2C-BA4124384A53}"/>
+              </a:ext>
+            </a:extLst>
+          </p:cNvPr>
+          <p:cNvPicPr>
+            <a:picLocks noChangeAspect="1"/>
+          </p:cNvPicPr>
+          <p:nvPr/>
+        </p:nvPicPr>
+        <p:blipFill>
+          <a:blip r:embed="rId2"/>
+          <a:stretch>
+            <a:fillRect/>
+          </a:stretch>
+        </p:blipFill>
+        <p:spPr>
+          <a:xfrm>
+            <a:off x="8395855" y="107605"/>
+            <a:ext cx="3315854" cy="6109768"/>
+          </a:xfrm>
+          <a:prstGeom prst="rect">
+            <a:avLst/>
+          </a:prstGeom>
+        </p:spPr>
+      </p:pic>
     </p:spTree>
     <p:extLst>
       <p:ext uri="{BB962C8B-B14F-4D97-AF65-F5344CB8AC3E}">
@@ -4074,33 +4084,15 @@
           <a:p>
             <a:r>
               <a:rPr lang="en-US" dirty="0"/>
-              <a:t>Minneapolis/St. Paul, Minnesota</a:t>
+              <a:t>Minneapolis/St. Paul, </a:t>
             </a:r>
-          </a:p>
-        </p:txBody>
-      </p:sp>
-      <p:sp>
-        <p:nvSpPr>
-          <p:cNvPr id="3" name="Content Placeholder 2">
-            <a:extLst>
-              <a:ext uri="{FF2B5EF4-FFF2-40B4-BE49-F238E27FC236}">
-                <a16:creationId xmlns:a16="http://schemas.microsoft.com/office/drawing/2014/main" id="{4F5362A3-BB2B-E75A-13E4-8D89E8426E79}"/>
-              </a:ext>
-            </a:extLst>
-          </p:cNvPr>
-          <p:cNvSpPr>
-            <a:spLocks noGrp="1"/>
-          </p:cNvSpPr>
-          <p:nvPr>
-            <p:ph idx="1"/>
-          </p:nvPr>
-        </p:nvSpPr>
-        <p:spPr/>
-        <p:txBody>
-          <a:bodyPr/>
-          <a:lstStyle/>
-          <a:p>
-            <a:endParaRPr lang="en-US" dirty="0"/>
+            <a:br>
+              <a:rPr lang="en-US" dirty="0"/>
+            </a:br>
+            <a:r>
+              <a:rPr lang="en-US" dirty="0"/>
+              <a:t>Minnesota</a:t>
+            </a:r>
           </a:p>
         </p:txBody>
       </p:sp>
@@ -4145,6 +4137,36 @@
           </a:p>
         </p:txBody>
       </p:sp>
+      <p:pic>
+        <p:nvPicPr>
+          <p:cNvPr id="6" name="Picture 5">
+            <a:extLst>
+              <a:ext uri="{FF2B5EF4-FFF2-40B4-BE49-F238E27FC236}">
+                <a16:creationId xmlns:a16="http://schemas.microsoft.com/office/drawing/2014/main" id="{369143B0-D86A-361A-A3A3-43EB431CAD3E}"/>
+              </a:ext>
+            </a:extLst>
+          </p:cNvPr>
+          <p:cNvPicPr>
+            <a:picLocks noChangeAspect="1"/>
+          </p:cNvPicPr>
+          <p:nvPr/>
+        </p:nvPicPr>
+        <p:blipFill>
+          <a:blip r:embed="rId2"/>
+          <a:stretch>
+            <a:fillRect/>
+          </a:stretch>
+        </p:blipFill>
+        <p:spPr>
+          <a:xfrm>
+            <a:off x="8626764" y="157425"/>
+            <a:ext cx="3317431" cy="6012466"/>
+          </a:xfrm>
+          <a:prstGeom prst="rect">
+            <a:avLst/>
+          </a:prstGeom>
+        </p:spPr>
+      </p:pic>
     </p:spTree>
     <p:extLst>
       <p:ext uri="{BB962C8B-B14F-4D97-AF65-F5344CB8AC3E}">
@@ -23987,31 +24009,6 @@
       </p:sp>
       <p:sp>
         <p:nvSpPr>
-          <p:cNvPr id="3" name="Content Placeholder 2">
-            <a:extLst>
-              <a:ext uri="{FF2B5EF4-FFF2-40B4-BE49-F238E27FC236}">
-                <a16:creationId xmlns:a16="http://schemas.microsoft.com/office/drawing/2014/main" id="{4F5362A3-BB2B-E75A-13E4-8D89E8426E79}"/>
-              </a:ext>
-            </a:extLst>
-          </p:cNvPr>
-          <p:cNvSpPr>
-            <a:spLocks noGrp="1"/>
-          </p:cNvSpPr>
-          <p:nvPr>
-            <p:ph idx="1"/>
-          </p:nvPr>
-        </p:nvSpPr>
-        <p:spPr/>
-        <p:txBody>
-          <a:bodyPr/>
-          <a:lstStyle/>
-          <a:p>
-            <a:endParaRPr lang="en-US"/>
-          </a:p>
-        </p:txBody>
-      </p:sp>
-      <p:sp>
-        <p:nvSpPr>
           <p:cNvPr id="4" name="TextBox 3">
             <a:extLst>
               <a:ext uri="{FF2B5EF4-FFF2-40B4-BE49-F238E27FC236}">
@@ -24051,6 +24048,36 @@
           </a:p>
         </p:txBody>
       </p:sp>
+      <p:pic>
+        <p:nvPicPr>
+          <p:cNvPr id="8" name="Picture 7">
+            <a:extLst>
+              <a:ext uri="{FF2B5EF4-FFF2-40B4-BE49-F238E27FC236}">
+                <a16:creationId xmlns:a16="http://schemas.microsoft.com/office/drawing/2014/main" id="{0FCE0B75-CBC0-9929-1B7A-228BC64FA348}"/>
+              </a:ext>
+            </a:extLst>
+          </p:cNvPr>
+          <p:cNvPicPr>
+            <a:picLocks noChangeAspect="1"/>
+          </p:cNvPicPr>
+          <p:nvPr/>
+        </p:nvPicPr>
+        <p:blipFill>
+          <a:blip r:embed="rId2"/>
+          <a:stretch>
+            <a:fillRect/>
+          </a:stretch>
+        </p:blipFill>
+        <p:spPr>
+          <a:xfrm>
+            <a:off x="8312727" y="181663"/>
+            <a:ext cx="3275426" cy="6035276"/>
+          </a:xfrm>
+          <a:prstGeom prst="rect">
+            <a:avLst/>
+          </a:prstGeom>
+        </p:spPr>
+      </p:pic>
     </p:spTree>
     <p:extLst>
       <p:ext uri="{BB962C8B-B14F-4D97-AF65-F5344CB8AC3E}">
@@ -24104,33 +24131,15 @@
           <a:p>
             <a:r>
               <a:rPr lang="en-US" dirty="0"/>
-              <a:t>Los Angeles / Inglewood, California</a:t>
+              <a:t>Los Angeles / Inglewood, </a:t>
             </a:r>
-          </a:p>
-        </p:txBody>
-      </p:sp>
-      <p:sp>
-        <p:nvSpPr>
-          <p:cNvPr id="3" name="Content Placeholder 2">
-            <a:extLst>
-              <a:ext uri="{FF2B5EF4-FFF2-40B4-BE49-F238E27FC236}">
-                <a16:creationId xmlns:a16="http://schemas.microsoft.com/office/drawing/2014/main" id="{4F5362A3-BB2B-E75A-13E4-8D89E8426E79}"/>
-              </a:ext>
-            </a:extLst>
-          </p:cNvPr>
-          <p:cNvSpPr>
-            <a:spLocks noGrp="1"/>
-          </p:cNvSpPr>
-          <p:nvPr>
-            <p:ph idx="1"/>
-          </p:nvPr>
-        </p:nvSpPr>
-        <p:spPr/>
-        <p:txBody>
-          <a:bodyPr/>
-          <a:lstStyle/>
-          <a:p>
-            <a:endParaRPr lang="en-US" dirty="0"/>
+            <a:br>
+              <a:rPr lang="en-US" dirty="0"/>
+            </a:br>
+            <a:r>
+              <a:rPr lang="en-US" dirty="0"/>
+              <a:t>California</a:t>
+            </a:r>
           </a:p>
         </p:txBody>
       </p:sp>
@@ -24175,6 +24184,36 @@
           </a:p>
         </p:txBody>
       </p:sp>
+      <p:pic>
+        <p:nvPicPr>
+          <p:cNvPr id="6" name="Picture 5">
+            <a:extLst>
+              <a:ext uri="{FF2B5EF4-FFF2-40B4-BE49-F238E27FC236}">
+                <a16:creationId xmlns:a16="http://schemas.microsoft.com/office/drawing/2014/main" id="{62D6D283-8677-564E-F707-31BFC9002A5B}"/>
+              </a:ext>
+            </a:extLst>
+          </p:cNvPr>
+          <p:cNvPicPr>
+            <a:picLocks noChangeAspect="1"/>
+          </p:cNvPicPr>
+          <p:nvPr/>
+        </p:nvPicPr>
+        <p:blipFill>
+          <a:blip r:embed="rId2"/>
+          <a:stretch>
+            <a:fillRect/>
+          </a:stretch>
+        </p:blipFill>
+        <p:spPr>
+          <a:xfrm>
+            <a:off x="8617527" y="161380"/>
+            <a:ext cx="3269673" cy="6024674"/>
+          </a:xfrm>
+          <a:prstGeom prst="rect">
+            <a:avLst/>
+          </a:prstGeom>
+        </p:spPr>
+      </p:pic>
     </p:spTree>
     <p:extLst>
       <p:ext uri="{BB962C8B-B14F-4D97-AF65-F5344CB8AC3E}">

--- a/Support_Live_Music_Project1_Group4.pptx
+++ b/Support_Live_Music_Project1_Group4.pptx
@@ -12,11 +12,19 @@
     <p:sldId id="260" r:id="rId6"/>
     <p:sldId id="261" r:id="rId7"/>
     <p:sldId id="262" r:id="rId8"/>
-    <p:sldId id="263" r:id="rId9"/>
-    <p:sldId id="264" r:id="rId10"/>
-    <p:sldId id="265" r:id="rId11"/>
-    <p:sldId id="266" r:id="rId12"/>
-    <p:sldId id="267" r:id="rId13"/>
+    <p:sldId id="268" r:id="rId9"/>
+    <p:sldId id="269" r:id="rId10"/>
+    <p:sldId id="263" r:id="rId11"/>
+    <p:sldId id="264" r:id="rId12"/>
+    <p:sldId id="270" r:id="rId13"/>
+    <p:sldId id="271" r:id="rId14"/>
+    <p:sldId id="265" r:id="rId15"/>
+    <p:sldId id="273" r:id="rId16"/>
+    <p:sldId id="272" r:id="rId17"/>
+    <p:sldId id="266" r:id="rId18"/>
+    <p:sldId id="275" r:id="rId19"/>
+    <p:sldId id="274" r:id="rId20"/>
+    <p:sldId id="267" r:id="rId21"/>
   </p:sldIdLst>
   <p:sldSz cx="12192000" cy="6858000"/>
   <p:notesSz cx="6858000" cy="9144000"/>
@@ -349,7 +357,7 @@
           <a:p>
             <a:fld id="{DC2F96AA-93CC-471B-9B55-9675E116324B}" type="datetimeFigureOut">
               <a:rPr lang="en-US" smtClean="0"/>
-              <a:t>11/18/2023</a:t>
+              <a:t>11/19/2023</a:t>
             </a:fld>
             <a:endParaRPr lang="en-US"/>
           </a:p>
@@ -557,7 +565,7 @@
           <a:p>
             <a:fld id="{DC2F96AA-93CC-471B-9B55-9675E116324B}" type="datetimeFigureOut">
               <a:rPr lang="en-US" smtClean="0"/>
-              <a:t>11/18/2023</a:t>
+              <a:t>11/19/2023</a:t>
             </a:fld>
             <a:endParaRPr lang="en-US"/>
           </a:p>
@@ -813,7 +821,7 @@
           <a:p>
             <a:fld id="{DC2F96AA-93CC-471B-9B55-9675E116324B}" type="datetimeFigureOut">
               <a:rPr lang="en-US" smtClean="0"/>
-              <a:t>11/18/2023</a:t>
+              <a:t>11/19/2023</a:t>
             </a:fld>
             <a:endParaRPr lang="en-US"/>
           </a:p>
@@ -983,7 +991,7 @@
           <a:p>
             <a:fld id="{DC2F96AA-93CC-471B-9B55-9675E116324B}" type="datetimeFigureOut">
               <a:rPr lang="en-US" smtClean="0"/>
-              <a:t>11/18/2023</a:t>
+              <a:t>11/19/2023</a:t>
             </a:fld>
             <a:endParaRPr lang="en-US"/>
           </a:p>
@@ -1326,7 +1334,7 @@
           <a:p>
             <a:fld id="{DC2F96AA-93CC-471B-9B55-9675E116324B}" type="datetimeFigureOut">
               <a:rPr lang="en-US" smtClean="0"/>
-              <a:t>11/18/2023</a:t>
+              <a:t>11/19/2023</a:t>
             </a:fld>
             <a:endParaRPr lang="en-US"/>
           </a:p>
@@ -1601,7 +1609,7 @@
           <a:p>
             <a:fld id="{DC2F96AA-93CC-471B-9B55-9675E116324B}" type="datetimeFigureOut">
               <a:rPr lang="en-US" smtClean="0"/>
-              <a:t>11/18/2023</a:t>
+              <a:t>11/19/2023</a:t>
             </a:fld>
             <a:endParaRPr lang="en-US"/>
           </a:p>
@@ -1980,7 +1988,7 @@
           <a:p>
             <a:fld id="{DC2F96AA-93CC-471B-9B55-9675E116324B}" type="datetimeFigureOut">
               <a:rPr lang="en-US" smtClean="0"/>
-              <a:t>11/18/2023</a:t>
+              <a:t>11/19/2023</a:t>
             </a:fld>
             <a:endParaRPr lang="en-US"/>
           </a:p>
@@ -2098,7 +2106,7 @@
           <a:p>
             <a:fld id="{DC2F96AA-93CC-471B-9B55-9675E116324B}" type="datetimeFigureOut">
               <a:rPr lang="en-US" smtClean="0"/>
-              <a:t>11/18/2023</a:t>
+              <a:t>11/19/2023</a:t>
             </a:fld>
             <a:endParaRPr lang="en-US"/>
           </a:p>
@@ -2269,7 +2277,7 @@
           <a:p>
             <a:fld id="{DC2F96AA-93CC-471B-9B55-9675E116324B}" type="datetimeFigureOut">
               <a:rPr lang="en-US" smtClean="0"/>
-              <a:t>11/18/2023</a:t>
+              <a:t>11/19/2023</a:t>
             </a:fld>
             <a:endParaRPr lang="en-US"/>
           </a:p>
@@ -2623,7 +2631,7 @@
           <a:p>
             <a:fld id="{DC2F96AA-93CC-471B-9B55-9675E116324B}" type="datetimeFigureOut">
               <a:rPr lang="en-US" smtClean="0"/>
-              <a:t>11/18/2023</a:t>
+              <a:t>11/19/2023</a:t>
             </a:fld>
             <a:endParaRPr lang="en-US"/>
           </a:p>
@@ -3000,7 +3008,7 @@
           <a:p>
             <a:fld id="{DC2F96AA-93CC-471B-9B55-9675E116324B}" type="datetimeFigureOut">
               <a:rPr lang="en-US" smtClean="0"/>
-              <a:t>11/18/2023</a:t>
+              <a:t>11/19/2023</a:t>
             </a:fld>
             <a:endParaRPr lang="en-US"/>
           </a:p>
@@ -3287,7 +3295,7 @@
           <a:p>
             <a:fld id="{DC2F96AA-93CC-471B-9B55-9675E116324B}" type="datetimeFigureOut">
               <a:rPr lang="en-US" smtClean="0"/>
-              <a:t>11/18/2023</a:t>
+              <a:t>11/19/2023</a:t>
             </a:fld>
             <a:endParaRPr lang="en-US"/>
           </a:p>
@@ -3950,12 +3958,14 @@
         </p:nvSpPr>
         <p:spPr/>
         <p:txBody>
-          <a:bodyPr/>
+          <a:bodyPr>
+            <a:normAutofit/>
+          </a:bodyPr>
           <a:lstStyle/>
           <a:p>
             <a:r>
-              <a:rPr lang="en-US" dirty="0"/>
-              <a:t>Seattle, Washington</a:t>
+              <a:rPr lang="en-US" sz="3200" dirty="0"/>
+              <a:t>Denver, Colorado</a:t>
             </a:r>
           </a:p>
         </p:txBody>
@@ -3965,7 +3975,7 @@
           <p:cNvPr id="4" name="TextBox 3">
             <a:extLst>
               <a:ext uri="{FF2B5EF4-FFF2-40B4-BE49-F238E27FC236}">
-                <a16:creationId xmlns:a16="http://schemas.microsoft.com/office/drawing/2014/main" id="{7961331A-F598-E7EC-31E9-34BB88DEF42D}"/>
+                <a16:creationId xmlns:a16="http://schemas.microsoft.com/office/drawing/2014/main" id="{3E07A3BE-30E7-7526-50A0-1B2D7A8B2F0D}"/>
               </a:ext>
             </a:extLst>
           </p:cNvPr>
@@ -3996,7 +4006,103 @@
                   </a:schemeClr>
                 </a:solidFill>
               </a:rPr>
-              <a:t>Source : https://developer.ticketmaster.com/</a:t>
+              <a:t>Source : </a:t>
+            </a:r>
+            <a:r>
+              <a:rPr lang="en-US" sz="1200" dirty="0">
+                <a:solidFill>
+                  <a:schemeClr val="bg1">
+                    <a:lumMod val="50000"/>
+                  </a:schemeClr>
+                </a:solidFill>
+                <a:hlinkClick r:id="rId2"/>
+              </a:rPr>
+              <a:t>https://developer.ticketmaster.com</a:t>
+            </a:r>
+            <a:r>
+              <a:rPr lang="en-US" sz="1200" dirty="0">
+                <a:solidFill>
+                  <a:schemeClr val="bg1">
+                    <a:lumMod val="50000"/>
+                  </a:schemeClr>
+                </a:solidFill>
+              </a:rPr>
+              <a:t> and censusreporter.org</a:t>
+            </a:r>
+          </a:p>
+        </p:txBody>
+      </p:sp>
+      <p:sp>
+        <p:nvSpPr>
+          <p:cNvPr id="3" name="TextBox 2">
+            <a:extLst>
+              <a:ext uri="{FF2B5EF4-FFF2-40B4-BE49-F238E27FC236}">
+                <a16:creationId xmlns:a16="http://schemas.microsoft.com/office/drawing/2014/main" id="{C3D918B0-80C9-F581-C8AD-DE1230E0E4F6}"/>
+              </a:ext>
+            </a:extLst>
+          </p:cNvPr>
+          <p:cNvSpPr txBox="1"/>
+          <p:nvPr/>
+        </p:nvSpPr>
+        <p:spPr>
+          <a:xfrm>
+            <a:off x="1180027" y="3429000"/>
+            <a:ext cx="6107463" cy="1477328"/>
+          </a:xfrm>
+          <a:prstGeom prst="rect">
+            <a:avLst/>
+          </a:prstGeom>
+          <a:noFill/>
+        </p:spPr>
+        <p:txBody>
+          <a:bodyPr wrap="square" rtlCol="0">
+            <a:spAutoFit/>
+          </a:bodyPr>
+          <a:lstStyle/>
+          <a:p>
+            <a:r>
+              <a:rPr lang="en-US" b="1" dirty="0"/>
+              <a:t>Observations</a:t>
+            </a:r>
+          </a:p>
+          <a:p>
+            <a:pPr marL="285750" indent="-285750">
+              <a:buFont typeface="Arial" panose="020B0604020202020204" pitchFamily="34" charset="0"/>
+              <a:buChar char="•"/>
+            </a:pPr>
+            <a:r>
+              <a:rPr lang="en-US" dirty="0"/>
+              <a:t>The minimum price is similar for all artists.</a:t>
+            </a:r>
+          </a:p>
+          <a:p>
+            <a:pPr marL="285750" indent="-285750">
+              <a:buFont typeface="Arial" panose="020B0604020202020204" pitchFamily="34" charset="0"/>
+              <a:buChar char="•"/>
+            </a:pPr>
+            <a:r>
+              <a:rPr lang="en-US" dirty="0"/>
+              <a:t>The maximum price is the most expensive for Tim McGraw.</a:t>
+            </a:r>
+          </a:p>
+          <a:p>
+            <a:pPr marL="285750" indent="-285750">
+              <a:buFont typeface="Arial" panose="020B0604020202020204" pitchFamily="34" charset="0"/>
+              <a:buChar char="•"/>
+            </a:pPr>
+            <a:r>
+              <a:rPr lang="en-US" dirty="0"/>
+              <a:t>The minimum price is reasonable for most of the population</a:t>
+            </a:r>
+          </a:p>
+          <a:p>
+            <a:pPr marL="285750" indent="-285750">
+              <a:buFont typeface="Arial" panose="020B0604020202020204" pitchFamily="34" charset="0"/>
+              <a:buChar char="•"/>
+            </a:pPr>
+            <a:r>
+              <a:rPr lang="en-US" dirty="0"/>
+              <a:t>The max price would be a burden for most of the population</a:t>
             </a:r>
           </a:p>
         </p:txBody>
@@ -4006,7 +4112,7 @@
           <p:cNvPr id="6" name="Picture 5">
             <a:extLst>
               <a:ext uri="{FF2B5EF4-FFF2-40B4-BE49-F238E27FC236}">
-                <a16:creationId xmlns:a16="http://schemas.microsoft.com/office/drawing/2014/main" id="{54C26D11-4445-A8D0-6D2C-BA4124384A53}"/>
+                <a16:creationId xmlns:a16="http://schemas.microsoft.com/office/drawing/2014/main" id="{5FA69722-3DE1-B16F-B4B2-2A8650ABFB01}"/>
               </a:ext>
             </a:extLst>
           </p:cNvPr>
@@ -4016,15 +4122,45 @@
           <p:nvPr/>
         </p:nvPicPr>
         <p:blipFill>
-          <a:blip r:embed="rId2"/>
+          <a:blip r:embed="rId3"/>
           <a:stretch>
             <a:fillRect/>
           </a:stretch>
         </p:blipFill>
         <p:spPr>
           <a:xfrm>
-            <a:off x="8395855" y="107605"/>
-            <a:ext cx="3315854" cy="6109768"/>
+            <a:off x="7559604" y="286602"/>
+            <a:ext cx="4044294" cy="5751885"/>
+          </a:xfrm>
+          <a:prstGeom prst="rect">
+            <a:avLst/>
+          </a:prstGeom>
+        </p:spPr>
+      </p:pic>
+      <p:pic>
+        <p:nvPicPr>
+          <p:cNvPr id="7" name="Picture 6">
+            <a:extLst>
+              <a:ext uri="{FF2B5EF4-FFF2-40B4-BE49-F238E27FC236}">
+                <a16:creationId xmlns:a16="http://schemas.microsoft.com/office/drawing/2014/main" id="{75FE24DC-B33E-CFA9-2B74-59A2E940F028}"/>
+              </a:ext>
+            </a:extLst>
+          </p:cNvPr>
+          <p:cNvPicPr>
+            <a:picLocks noChangeAspect="1"/>
+          </p:cNvPicPr>
+          <p:nvPr/>
+        </p:nvPicPr>
+        <p:blipFill>
+          <a:blip r:embed="rId4"/>
+          <a:stretch>
+            <a:fillRect/>
+          </a:stretch>
+        </p:blipFill>
+        <p:spPr>
+          <a:xfrm>
+            <a:off x="1214531" y="1965833"/>
+            <a:ext cx="1450974" cy="1463167"/>
           </a:xfrm>
           <a:prstGeom prst="rect">
             <a:avLst/>
@@ -4034,7 +4170,7 @@
     </p:spTree>
     <p:extLst>
       <p:ext uri="{BB962C8B-B14F-4D97-AF65-F5344CB8AC3E}">
-        <p14:creationId xmlns:p14="http://schemas.microsoft.com/office/powerpoint/2010/main" val="1092521322"/>
+        <p14:creationId xmlns:p14="http://schemas.microsoft.com/office/powerpoint/2010/main" val="1871678786"/>
       </p:ext>
     </p:extLst>
   </p:cSld>
@@ -4079,29 +4215,229 @@
         </p:nvSpPr>
         <p:spPr/>
         <p:txBody>
-          <a:bodyPr/>
+          <a:bodyPr>
+            <a:normAutofit/>
+          </a:bodyPr>
           <a:lstStyle/>
           <a:p>
             <a:r>
-              <a:rPr lang="en-US" dirty="0"/>
-              <a:t>Minneapolis/St. Paul, </a:t>
+              <a:rPr lang="en-US" sz="3200" dirty="0"/>
+              <a:t>Los Angeles / Inglewood, </a:t>
             </a:r>
             <a:br>
-              <a:rPr lang="en-US" dirty="0"/>
+              <a:rPr lang="en-US" sz="3200" dirty="0"/>
             </a:br>
             <a:r>
-              <a:rPr lang="en-US" dirty="0"/>
-              <a:t>Minnesota</a:t>
+              <a:rPr lang="en-US" sz="3200" dirty="0"/>
+              <a:t>California Demographics</a:t>
             </a:r>
           </a:p>
         </p:txBody>
       </p:sp>
       <p:sp>
         <p:nvSpPr>
-          <p:cNvPr id="4" name="TextBox 3">
+          <p:cNvPr id="5" name="TextBox 4">
             <a:extLst>
               <a:ext uri="{FF2B5EF4-FFF2-40B4-BE49-F238E27FC236}">
-                <a16:creationId xmlns:a16="http://schemas.microsoft.com/office/drawing/2014/main" id="{4AEC5956-E834-A500-5673-51BE2229B3A0}"/>
+                <a16:creationId xmlns:a16="http://schemas.microsoft.com/office/drawing/2014/main" id="{4215AA0E-FC62-FF52-086A-4AC625E5F06F}"/>
+              </a:ext>
+            </a:extLst>
+          </p:cNvPr>
+          <p:cNvSpPr txBox="1"/>
+          <p:nvPr/>
+        </p:nvSpPr>
+        <p:spPr>
+          <a:xfrm>
+            <a:off x="1097280" y="1902725"/>
+            <a:ext cx="3834290" cy="923330"/>
+          </a:xfrm>
+          <a:prstGeom prst="rect">
+            <a:avLst/>
+          </a:prstGeom>
+          <a:noFill/>
+        </p:spPr>
+        <p:txBody>
+          <a:bodyPr wrap="square">
+            <a:spAutoFit/>
+          </a:bodyPr>
+          <a:lstStyle/>
+          <a:p>
+            <a:r>
+              <a:rPr lang="en-US" b="1" dirty="0">
+                <a:effectLst/>
+              </a:rPr>
+              <a:t>Los Angeles, CA</a:t>
+            </a:r>
+          </a:p>
+          <a:p>
+            <a:r>
+              <a:rPr lang="en-US" b="1" dirty="0">
+                <a:effectLst/>
+              </a:rPr>
+              <a:t>Metro Area</a:t>
+            </a:r>
+          </a:p>
+          <a:p>
+            <a:pPr algn="l"/>
+            <a:r>
+              <a:rPr lang="en-US" b="1" i="0" dirty="0">
+                <a:solidFill>
+                  <a:srgbClr val="111111"/>
+                </a:solidFill>
+                <a:effectLst/>
+                <a:latin typeface="Lato" panose="020F0502020204030203" pitchFamily="34" charset="0"/>
+              </a:rPr>
+              <a:t>Population – 3,822,224</a:t>
+            </a:r>
+            <a:endParaRPr lang="en-US" b="0" i="0" dirty="0">
+              <a:solidFill>
+                <a:srgbClr val="111111"/>
+              </a:solidFill>
+              <a:effectLst/>
+              <a:latin typeface="Lato" panose="020F0502020204030203" pitchFamily="34" charset="0"/>
+            </a:endParaRPr>
+          </a:p>
+        </p:txBody>
+      </p:sp>
+      <p:pic>
+        <p:nvPicPr>
+          <p:cNvPr id="9" name="Picture 8">
+            <a:extLst>
+              <a:ext uri="{FF2B5EF4-FFF2-40B4-BE49-F238E27FC236}">
+                <a16:creationId xmlns:a16="http://schemas.microsoft.com/office/drawing/2014/main" id="{D6EF6ACD-4602-9951-6F3C-AD3CC924F38E}"/>
+              </a:ext>
+            </a:extLst>
+          </p:cNvPr>
+          <p:cNvPicPr>
+            <a:picLocks noChangeAspect="1"/>
+          </p:cNvPicPr>
+          <p:nvPr/>
+        </p:nvPicPr>
+        <p:blipFill rotWithShape="1">
+          <a:blip r:embed="rId2"/>
+          <a:srcRect b="34552"/>
+          <a:stretch/>
+        </p:blipFill>
+        <p:spPr>
+          <a:xfrm>
+            <a:off x="5375429" y="2423132"/>
+            <a:ext cx="6697309" cy="3753855"/>
+          </a:xfrm>
+          <a:prstGeom prst="rect">
+            <a:avLst/>
+          </a:prstGeom>
+        </p:spPr>
+      </p:pic>
+      <p:pic>
+        <p:nvPicPr>
+          <p:cNvPr id="10" name="Picture 9">
+            <a:extLst>
+              <a:ext uri="{FF2B5EF4-FFF2-40B4-BE49-F238E27FC236}">
+                <a16:creationId xmlns:a16="http://schemas.microsoft.com/office/drawing/2014/main" id="{8AAC2A0B-4087-4B7B-74B7-BF3DE9A77C0C}"/>
+              </a:ext>
+            </a:extLst>
+          </p:cNvPr>
+          <p:cNvPicPr>
+            <a:picLocks noChangeAspect="1"/>
+          </p:cNvPicPr>
+          <p:nvPr/>
+        </p:nvPicPr>
+        <p:blipFill rotWithShape="1">
+          <a:blip r:embed="rId2"/>
+          <a:srcRect t="73194"/>
+          <a:stretch/>
+        </p:blipFill>
+        <p:spPr>
+          <a:xfrm>
+            <a:off x="5375429" y="785092"/>
+            <a:ext cx="6697309" cy="1537524"/>
+          </a:xfrm>
+          <a:prstGeom prst="rect">
+            <a:avLst/>
+          </a:prstGeom>
+        </p:spPr>
+      </p:pic>
+      <p:sp>
+        <p:nvSpPr>
+          <p:cNvPr id="11" name="TextBox 10">
+            <a:extLst>
+              <a:ext uri="{FF2B5EF4-FFF2-40B4-BE49-F238E27FC236}">
+                <a16:creationId xmlns:a16="http://schemas.microsoft.com/office/drawing/2014/main" id="{44C8D2BE-37BC-AB83-C89D-3C19B75CFCDF}"/>
+              </a:ext>
+            </a:extLst>
+          </p:cNvPr>
+          <p:cNvSpPr txBox="1"/>
+          <p:nvPr/>
+        </p:nvSpPr>
+        <p:spPr>
+          <a:xfrm>
+            <a:off x="1097280" y="3161143"/>
+            <a:ext cx="3579195" cy="1754326"/>
+          </a:xfrm>
+          <a:prstGeom prst="rect">
+            <a:avLst/>
+          </a:prstGeom>
+          <a:noFill/>
+        </p:spPr>
+        <p:txBody>
+          <a:bodyPr wrap="square" rtlCol="0">
+            <a:spAutoFit/>
+          </a:bodyPr>
+          <a:lstStyle/>
+          <a:p>
+            <a:r>
+              <a:rPr lang="en-US" b="1" dirty="0"/>
+              <a:t>Observations</a:t>
+            </a:r>
+          </a:p>
+          <a:p>
+            <a:pPr marL="285750" indent="-285750">
+              <a:buFont typeface="Arial" panose="020B0604020202020204" pitchFamily="34" charset="0"/>
+              <a:buChar char="•"/>
+            </a:pPr>
+            <a:r>
+              <a:rPr lang="en-US" dirty="0"/>
+              <a:t>Median Income is $76,135</a:t>
+            </a:r>
+          </a:p>
+          <a:p>
+            <a:pPr marL="285750" indent="-285750">
+              <a:buFont typeface="Arial" panose="020B0604020202020204" pitchFamily="34" charset="0"/>
+              <a:buChar char="•"/>
+            </a:pPr>
+            <a:r>
+              <a:rPr lang="en-US" dirty="0"/>
+              <a:t>35% make under $50K</a:t>
+            </a:r>
+          </a:p>
+          <a:p>
+            <a:pPr marL="285750" indent="-285750">
+              <a:buFont typeface="Arial" panose="020B0604020202020204" pitchFamily="34" charset="0"/>
+              <a:buChar char="•"/>
+            </a:pPr>
+            <a:r>
+              <a:rPr lang="en-US" dirty="0"/>
+              <a:t>67% of population is 18-24</a:t>
+            </a:r>
+          </a:p>
+          <a:p>
+            <a:pPr marL="285750" indent="-285750">
+              <a:buFont typeface="Arial" panose="020B0604020202020204" pitchFamily="34" charset="0"/>
+              <a:buChar char="•"/>
+            </a:pPr>
+            <a:r>
+              <a:rPr lang="en-US" dirty="0"/>
+              <a:t>76% of population is white and Hispanic</a:t>
+            </a:r>
+          </a:p>
+        </p:txBody>
+      </p:sp>
+      <p:sp>
+        <p:nvSpPr>
+          <p:cNvPr id="12" name="TextBox 11">
+            <a:extLst>
+              <a:ext uri="{FF2B5EF4-FFF2-40B4-BE49-F238E27FC236}">
+                <a16:creationId xmlns:a16="http://schemas.microsoft.com/office/drawing/2014/main" id="{00D3E188-A44A-31A7-3A2D-ED7DAF007879}"/>
               </a:ext>
             </a:extLst>
           </p:cNvPr>
@@ -4132,45 +4468,15 @@
                   </a:schemeClr>
                 </a:solidFill>
               </a:rPr>
-              <a:t>Source : https://developer.ticketmaster.com/</a:t>
+              <a:t>Source : https://censusreporter.org/</a:t>
             </a:r>
           </a:p>
         </p:txBody>
       </p:sp>
-      <p:pic>
-        <p:nvPicPr>
-          <p:cNvPr id="6" name="Picture 5">
-            <a:extLst>
-              <a:ext uri="{FF2B5EF4-FFF2-40B4-BE49-F238E27FC236}">
-                <a16:creationId xmlns:a16="http://schemas.microsoft.com/office/drawing/2014/main" id="{369143B0-D86A-361A-A3A3-43EB431CAD3E}"/>
-              </a:ext>
-            </a:extLst>
-          </p:cNvPr>
-          <p:cNvPicPr>
-            <a:picLocks noChangeAspect="1"/>
-          </p:cNvPicPr>
-          <p:nvPr/>
-        </p:nvPicPr>
-        <p:blipFill>
-          <a:blip r:embed="rId2"/>
-          <a:stretch>
-            <a:fillRect/>
-          </a:stretch>
-        </p:blipFill>
-        <p:spPr>
-          <a:xfrm>
-            <a:off x="8626764" y="157425"/>
-            <a:ext cx="3317431" cy="6012466"/>
-          </a:xfrm>
-          <a:prstGeom prst="rect">
-            <a:avLst/>
-          </a:prstGeom>
-        </p:spPr>
-      </p:pic>
     </p:spTree>
     <p:extLst>
       <p:ext uri="{BB962C8B-B14F-4D97-AF65-F5344CB8AC3E}">
-        <p14:creationId xmlns:p14="http://schemas.microsoft.com/office/powerpoint/2010/main" val="2396891489"/>
+        <p14:creationId xmlns:p14="http://schemas.microsoft.com/office/powerpoint/2010/main" val="1240836753"/>
       </p:ext>
     </p:extLst>
   </p:cSld>
@@ -4213,24 +4519,214 @@
             <p:ph type="title"/>
           </p:nvPr>
         </p:nvSpPr>
-        <p:spPr/>
+        <p:spPr>
+          <a:xfrm>
+            <a:off x="603848" y="286603"/>
+            <a:ext cx="10969316" cy="1450757"/>
+          </a:xfrm>
+        </p:spPr>
         <p:txBody>
-          <a:bodyPr/>
+          <a:bodyPr>
+            <a:normAutofit/>
+          </a:bodyPr>
           <a:lstStyle/>
           <a:p>
             <a:r>
+              <a:rPr lang="en-US" sz="3200" dirty="0"/>
+              <a:t>Los Angeles / Inglewood, </a:t>
+            </a:r>
+            <a:br>
+              <a:rPr lang="en-US" sz="3200" dirty="0"/>
+            </a:br>
+            <a:r>
+              <a:rPr lang="en-US" sz="3200" dirty="0"/>
+              <a:t>California Demographics</a:t>
+            </a:r>
+          </a:p>
+        </p:txBody>
+      </p:sp>
+      <p:pic>
+        <p:nvPicPr>
+          <p:cNvPr id="7" name="Picture 6">
+            <a:extLst>
+              <a:ext uri="{FF2B5EF4-FFF2-40B4-BE49-F238E27FC236}">
+                <a16:creationId xmlns:a16="http://schemas.microsoft.com/office/drawing/2014/main" id="{BF1518FA-512C-1D77-89F2-CDFB2402FFD8}"/>
+              </a:ext>
+            </a:extLst>
+          </p:cNvPr>
+          <p:cNvPicPr>
+            <a:picLocks noChangeAspect="1"/>
+          </p:cNvPicPr>
+          <p:nvPr/>
+        </p:nvPicPr>
+        <p:blipFill>
+          <a:blip r:embed="rId2"/>
+          <a:stretch>
+            <a:fillRect/>
+          </a:stretch>
+        </p:blipFill>
+        <p:spPr>
+          <a:xfrm>
+            <a:off x="4714902" y="542514"/>
+            <a:ext cx="7477099" cy="5634474"/>
+          </a:xfrm>
+          <a:prstGeom prst="rect">
+            <a:avLst/>
+          </a:prstGeom>
+        </p:spPr>
+      </p:pic>
+      <p:sp>
+        <p:nvSpPr>
+          <p:cNvPr id="8" name="TextBox 7">
+            <a:extLst>
+              <a:ext uri="{FF2B5EF4-FFF2-40B4-BE49-F238E27FC236}">
+                <a16:creationId xmlns:a16="http://schemas.microsoft.com/office/drawing/2014/main" id="{2D97F21C-0056-35B1-9D2B-74F7BC5639FD}"/>
+              </a:ext>
+            </a:extLst>
+          </p:cNvPr>
+          <p:cNvSpPr txBox="1"/>
+          <p:nvPr/>
+        </p:nvSpPr>
+        <p:spPr>
+          <a:xfrm>
+            <a:off x="644703" y="4120064"/>
+            <a:ext cx="4070199" cy="1754326"/>
+          </a:xfrm>
+          <a:prstGeom prst="rect">
+            <a:avLst/>
+          </a:prstGeom>
+          <a:noFill/>
+        </p:spPr>
+        <p:txBody>
+          <a:bodyPr wrap="square" rtlCol="0">
+            <a:spAutoFit/>
+          </a:bodyPr>
+          <a:lstStyle/>
+          <a:p>
+            <a:r>
+              <a:rPr lang="en-US" b="1" dirty="0"/>
+              <a:t>Observations</a:t>
+            </a:r>
+          </a:p>
+          <a:p>
+            <a:pPr marL="285750" indent="-285750">
+              <a:buFont typeface="Arial" panose="020B0604020202020204" pitchFamily="34" charset="0"/>
+              <a:buChar char="•"/>
+            </a:pPr>
+            <a:r>
               <a:rPr lang="en-US" dirty="0"/>
-              <a:t>Summary / Observations</a:t>
+              <a:t>64% of housing is renter-occupied</a:t>
+            </a:r>
+          </a:p>
+          <a:p>
+            <a:pPr marL="285750" indent="-285750">
+              <a:buFont typeface="Arial" panose="020B0604020202020204" pitchFamily="34" charset="0"/>
+              <a:buChar char="•"/>
+            </a:pPr>
+            <a:r>
+              <a:rPr lang="en-US" dirty="0"/>
+              <a:t>57% are multi-unit structures</a:t>
+            </a:r>
+          </a:p>
+          <a:p>
+            <a:pPr marL="285750" indent="-285750">
+              <a:buFont typeface="Arial" panose="020B0604020202020204" pitchFamily="34" charset="0"/>
+              <a:buChar char="•"/>
+            </a:pPr>
+            <a:r>
+              <a:rPr lang="en-US" dirty="0"/>
+              <a:t>The median value is $903,700</a:t>
+            </a:r>
+          </a:p>
+          <a:p>
+            <a:pPr marL="285750" indent="-285750">
+              <a:buFont typeface="Arial" panose="020B0604020202020204" pitchFamily="34" charset="0"/>
+              <a:buChar char="•"/>
+            </a:pPr>
+            <a:r>
+              <a:rPr lang="en-US" dirty="0"/>
+              <a:t>47% of homes are valued at $500K - $1M</a:t>
             </a:r>
           </a:p>
         </p:txBody>
       </p:sp>
       <p:sp>
         <p:nvSpPr>
-          <p:cNvPr id="3" name="Content Placeholder 2">
+          <p:cNvPr id="9" name="TextBox 8">
             <a:extLst>
               <a:ext uri="{FF2B5EF4-FFF2-40B4-BE49-F238E27FC236}">
-                <a16:creationId xmlns:a16="http://schemas.microsoft.com/office/drawing/2014/main" id="{4F5362A3-BB2B-E75A-13E4-8D89E8426E79}"/>
+                <a16:creationId xmlns:a16="http://schemas.microsoft.com/office/drawing/2014/main" id="{27696C95-3DF2-513D-83F7-9CEC296F4AA1}"/>
+              </a:ext>
+            </a:extLst>
+          </p:cNvPr>
+          <p:cNvSpPr txBox="1"/>
+          <p:nvPr/>
+        </p:nvSpPr>
+        <p:spPr>
+          <a:xfrm>
+            <a:off x="603848" y="6038488"/>
+            <a:ext cx="4848045" cy="276999"/>
+          </a:xfrm>
+          <a:prstGeom prst="rect">
+            <a:avLst/>
+          </a:prstGeom>
+          <a:noFill/>
+        </p:spPr>
+        <p:txBody>
+          <a:bodyPr wrap="square" rtlCol="0">
+            <a:spAutoFit/>
+          </a:bodyPr>
+          <a:lstStyle/>
+          <a:p>
+            <a:r>
+              <a:rPr lang="en-US" sz="1200" dirty="0">
+                <a:solidFill>
+                  <a:schemeClr val="bg1">
+                    <a:lumMod val="50000"/>
+                  </a:schemeClr>
+                </a:solidFill>
+              </a:rPr>
+              <a:t>Source : https://censusreporter.org/</a:t>
+            </a:r>
+          </a:p>
+        </p:txBody>
+      </p:sp>
+    </p:spTree>
+    <p:extLst>
+      <p:ext uri="{BB962C8B-B14F-4D97-AF65-F5344CB8AC3E}">
+        <p14:creationId xmlns:p14="http://schemas.microsoft.com/office/powerpoint/2010/main" val="3014940132"/>
+      </p:ext>
+    </p:extLst>
+  </p:cSld>
+  <p:clrMapOvr>
+    <a:masterClrMapping/>
+  </p:clrMapOvr>
+</p:sld>
+</file>
+
+<file path=ppt/slides/slide13.xml><?xml version="1.0" encoding="utf-8"?>
+<p:sld xmlns:a="http://schemas.openxmlformats.org/drawingml/2006/main" xmlns:r="http://schemas.openxmlformats.org/officeDocument/2006/relationships" xmlns:p="http://schemas.openxmlformats.org/presentationml/2006/main">
+  <p:cSld>
+    <p:spTree>
+      <p:nvGrpSpPr>
+        <p:cNvPr id="1" name=""/>
+        <p:cNvGrpSpPr/>
+        <p:nvPr/>
+      </p:nvGrpSpPr>
+      <p:grpSpPr>
+        <a:xfrm>
+          <a:off x="0" y="0"/>
+          <a:ext cx="0" cy="0"/>
+          <a:chOff x="0" y="0"/>
+          <a:chExt cx="0" cy="0"/>
+        </a:xfrm>
+      </p:grpSpPr>
+      <p:sp>
+        <p:nvSpPr>
+          <p:cNvPr id="2" name="Title 1">
+            <a:extLst>
+              <a:ext uri="{FF2B5EF4-FFF2-40B4-BE49-F238E27FC236}">
+                <a16:creationId xmlns:a16="http://schemas.microsoft.com/office/drawing/2014/main" id="{2A9D95E5-6BB1-E5DB-9AB8-20D3331D30C2}"/>
               </a:ext>
             </a:extLst>
           </p:cNvPr>
@@ -4238,22 +4734,1785 @@
             <a:spLocks noGrp="1"/>
           </p:cNvSpPr>
           <p:nvPr>
-            <p:ph idx="1"/>
+            <p:ph type="title"/>
           </p:nvPr>
         </p:nvSpPr>
         <p:spPr/>
         <p:txBody>
-          <a:bodyPr/>
+          <a:bodyPr>
+            <a:normAutofit/>
+          </a:bodyPr>
           <a:lstStyle/>
           <a:p>
-            <a:endParaRPr lang="en-US" dirty="0"/>
+            <a:r>
+              <a:rPr lang="en-US" sz="3200" dirty="0"/>
+              <a:t>Los Angeles / Inglewood, </a:t>
+            </a:r>
+            <a:br>
+              <a:rPr lang="en-US" sz="3200" dirty="0"/>
+            </a:br>
+            <a:r>
+              <a:rPr lang="en-US" sz="3200" dirty="0"/>
+              <a:t>California</a:t>
+            </a:r>
+          </a:p>
+        </p:txBody>
+      </p:sp>
+      <p:sp>
+        <p:nvSpPr>
+          <p:cNvPr id="3" name="TextBox 2">
+            <a:extLst>
+              <a:ext uri="{FF2B5EF4-FFF2-40B4-BE49-F238E27FC236}">
+                <a16:creationId xmlns:a16="http://schemas.microsoft.com/office/drawing/2014/main" id="{2021E9E4-12E0-DA38-50E7-166BFF1ABD72}"/>
+              </a:ext>
+            </a:extLst>
+          </p:cNvPr>
+          <p:cNvSpPr txBox="1"/>
+          <p:nvPr/>
+        </p:nvSpPr>
+        <p:spPr>
+          <a:xfrm>
+            <a:off x="1180027" y="3429000"/>
+            <a:ext cx="6550809" cy="1754326"/>
+          </a:xfrm>
+          <a:prstGeom prst="rect">
+            <a:avLst/>
+          </a:prstGeom>
+          <a:noFill/>
+        </p:spPr>
+        <p:txBody>
+          <a:bodyPr wrap="square" rtlCol="0">
+            <a:spAutoFit/>
+          </a:bodyPr>
+          <a:lstStyle/>
+          <a:p>
+            <a:r>
+              <a:rPr lang="en-US" b="1" dirty="0"/>
+              <a:t>Observations</a:t>
+            </a:r>
+          </a:p>
+          <a:p>
+            <a:pPr marL="285750" indent="-285750">
+              <a:buFont typeface="Arial" panose="020B0604020202020204" pitchFamily="34" charset="0"/>
+              <a:buChar char="•"/>
+            </a:pPr>
+            <a:r>
+              <a:rPr lang="en-US" dirty="0"/>
+              <a:t>The minimum price is similar for all artists except Depeche Mode.</a:t>
+            </a:r>
+          </a:p>
+          <a:p>
+            <a:pPr marL="285750" indent="-285750">
+              <a:buFont typeface="Arial" panose="020B0604020202020204" pitchFamily="34" charset="0"/>
+              <a:buChar char="•"/>
+            </a:pPr>
+            <a:r>
+              <a:rPr lang="en-US" dirty="0"/>
+              <a:t>The maximum price is the most expensive for Depeche Mode.</a:t>
+            </a:r>
+          </a:p>
+          <a:p>
+            <a:pPr marL="285750" indent="-285750">
+              <a:buFont typeface="Arial" panose="020B0604020202020204" pitchFamily="34" charset="0"/>
+              <a:buChar char="•"/>
+            </a:pPr>
+            <a:r>
+              <a:rPr lang="en-US" dirty="0"/>
+              <a:t>The minimum price is reasonable for a smaller portion of the population than other markets</a:t>
+            </a:r>
+          </a:p>
+          <a:p>
+            <a:pPr marL="285750" indent="-285750">
+              <a:buFont typeface="Arial" panose="020B0604020202020204" pitchFamily="34" charset="0"/>
+              <a:buChar char="•"/>
+            </a:pPr>
+            <a:r>
+              <a:rPr lang="en-US" dirty="0"/>
+              <a:t>The max price would be a burden for most of the population</a:t>
+            </a:r>
+          </a:p>
+        </p:txBody>
+      </p:sp>
+      <p:sp>
+        <p:nvSpPr>
+          <p:cNvPr id="5" name="TextBox 4">
+            <a:extLst>
+              <a:ext uri="{FF2B5EF4-FFF2-40B4-BE49-F238E27FC236}">
+                <a16:creationId xmlns:a16="http://schemas.microsoft.com/office/drawing/2014/main" id="{C9C1F7C9-5BF2-F845-DC83-089A398230B8}"/>
+              </a:ext>
+            </a:extLst>
+          </p:cNvPr>
+          <p:cNvSpPr txBox="1"/>
+          <p:nvPr/>
+        </p:nvSpPr>
+        <p:spPr>
+          <a:xfrm>
+            <a:off x="603848" y="6038488"/>
+            <a:ext cx="4848045" cy="276999"/>
+          </a:xfrm>
+          <a:prstGeom prst="rect">
+            <a:avLst/>
+          </a:prstGeom>
+          <a:noFill/>
+        </p:spPr>
+        <p:txBody>
+          <a:bodyPr wrap="square" rtlCol="0">
+            <a:spAutoFit/>
+          </a:bodyPr>
+          <a:lstStyle/>
+          <a:p>
+            <a:r>
+              <a:rPr lang="en-US" sz="1200" dirty="0">
+                <a:solidFill>
+                  <a:schemeClr val="bg1">
+                    <a:lumMod val="50000"/>
+                  </a:schemeClr>
+                </a:solidFill>
+              </a:rPr>
+              <a:t>Source : </a:t>
+            </a:r>
+            <a:r>
+              <a:rPr lang="en-US" sz="1200" dirty="0">
+                <a:solidFill>
+                  <a:schemeClr val="bg1">
+                    <a:lumMod val="50000"/>
+                  </a:schemeClr>
+                </a:solidFill>
+                <a:hlinkClick r:id="rId2"/>
+              </a:rPr>
+              <a:t>https://developer.ticketmaster.com</a:t>
+            </a:r>
+            <a:r>
+              <a:rPr lang="en-US" sz="1200" dirty="0">
+                <a:solidFill>
+                  <a:schemeClr val="bg1">
+                    <a:lumMod val="50000"/>
+                  </a:schemeClr>
+                </a:solidFill>
+              </a:rPr>
+              <a:t> and censusreporter.org</a:t>
+            </a:r>
+          </a:p>
+        </p:txBody>
+      </p:sp>
+      <p:pic>
+        <p:nvPicPr>
+          <p:cNvPr id="8" name="Picture 7">
+            <a:extLst>
+              <a:ext uri="{FF2B5EF4-FFF2-40B4-BE49-F238E27FC236}">
+                <a16:creationId xmlns:a16="http://schemas.microsoft.com/office/drawing/2014/main" id="{9E8F1EBC-BC0E-00CB-8A55-199D4CE97F05}"/>
+              </a:ext>
+            </a:extLst>
+          </p:cNvPr>
+          <p:cNvPicPr>
+            <a:picLocks noChangeAspect="1"/>
+          </p:cNvPicPr>
+          <p:nvPr/>
+        </p:nvPicPr>
+        <p:blipFill>
+          <a:blip r:embed="rId3"/>
+          <a:stretch>
+            <a:fillRect/>
+          </a:stretch>
+        </p:blipFill>
+        <p:spPr>
+          <a:xfrm>
+            <a:off x="7736840" y="286602"/>
+            <a:ext cx="4096720" cy="5751885"/>
+          </a:xfrm>
+          <a:prstGeom prst="rect">
+            <a:avLst/>
+          </a:prstGeom>
+        </p:spPr>
+      </p:pic>
+      <p:pic>
+        <p:nvPicPr>
+          <p:cNvPr id="10" name="Picture 9">
+            <a:extLst>
+              <a:ext uri="{FF2B5EF4-FFF2-40B4-BE49-F238E27FC236}">
+                <a16:creationId xmlns:a16="http://schemas.microsoft.com/office/drawing/2014/main" id="{9CB26C73-8519-1316-598C-33AEBE1FF6FB}"/>
+              </a:ext>
+            </a:extLst>
+          </p:cNvPr>
+          <p:cNvPicPr>
+            <a:picLocks noChangeAspect="1"/>
+          </p:cNvPicPr>
+          <p:nvPr/>
+        </p:nvPicPr>
+        <p:blipFill>
+          <a:blip r:embed="rId4"/>
+          <a:stretch>
+            <a:fillRect/>
+          </a:stretch>
+        </p:blipFill>
+        <p:spPr>
+          <a:xfrm>
+            <a:off x="1180027" y="1799973"/>
+            <a:ext cx="1670449" cy="1585097"/>
+          </a:xfrm>
+          <a:prstGeom prst="rect">
+            <a:avLst/>
+          </a:prstGeom>
+        </p:spPr>
+      </p:pic>
+    </p:spTree>
+    <p:extLst>
+      <p:ext uri="{BB962C8B-B14F-4D97-AF65-F5344CB8AC3E}">
+        <p14:creationId xmlns:p14="http://schemas.microsoft.com/office/powerpoint/2010/main" val="2277667958"/>
+      </p:ext>
+    </p:extLst>
+  </p:cSld>
+  <p:clrMapOvr>
+    <a:masterClrMapping/>
+  </p:clrMapOvr>
+</p:sld>
+</file>
+
+<file path=ppt/slides/slide14.xml><?xml version="1.0" encoding="utf-8"?>
+<p:sld xmlns:a="http://schemas.openxmlformats.org/drawingml/2006/main" xmlns:r="http://schemas.openxmlformats.org/officeDocument/2006/relationships" xmlns:p="http://schemas.openxmlformats.org/presentationml/2006/main">
+  <p:cSld>
+    <p:spTree>
+      <p:nvGrpSpPr>
+        <p:cNvPr id="1" name=""/>
+        <p:cNvGrpSpPr/>
+        <p:nvPr/>
+      </p:nvGrpSpPr>
+      <p:grpSpPr>
+        <a:xfrm>
+          <a:off x="0" y="0"/>
+          <a:ext cx="0" cy="0"/>
+          <a:chOff x="0" y="0"/>
+          <a:chExt cx="0" cy="0"/>
+        </a:xfrm>
+      </p:grpSpPr>
+      <p:sp>
+        <p:nvSpPr>
+          <p:cNvPr id="2" name="Title 1">
+            <a:extLst>
+              <a:ext uri="{FF2B5EF4-FFF2-40B4-BE49-F238E27FC236}">
+                <a16:creationId xmlns:a16="http://schemas.microsoft.com/office/drawing/2014/main" id="{2A9D95E5-6BB1-E5DB-9AB8-20D3331D30C2}"/>
+              </a:ext>
+            </a:extLst>
+          </p:cNvPr>
+          <p:cNvSpPr>
+            <a:spLocks noGrp="1"/>
+          </p:cNvSpPr>
+          <p:nvPr>
+            <p:ph type="title"/>
+          </p:nvPr>
+        </p:nvSpPr>
+        <p:spPr/>
+        <p:txBody>
+          <a:bodyPr>
+            <a:normAutofit/>
+          </a:bodyPr>
+          <a:lstStyle/>
+          <a:p>
+            <a:r>
+              <a:rPr lang="en-US" sz="3200" dirty="0"/>
+              <a:t>Seattle, Washington</a:t>
+            </a:r>
+            <a:br>
+              <a:rPr lang="en-US" sz="3200" dirty="0"/>
+            </a:br>
+            <a:r>
+              <a:rPr lang="en-US" sz="3200" dirty="0"/>
+              <a:t>Demographics</a:t>
+            </a:r>
+          </a:p>
+        </p:txBody>
+      </p:sp>
+      <p:sp>
+        <p:nvSpPr>
+          <p:cNvPr id="3" name="TextBox 2">
+            <a:extLst>
+              <a:ext uri="{FF2B5EF4-FFF2-40B4-BE49-F238E27FC236}">
+                <a16:creationId xmlns:a16="http://schemas.microsoft.com/office/drawing/2014/main" id="{8581C27E-7C02-3CC0-0DCC-4D9DEA0587B1}"/>
+              </a:ext>
+            </a:extLst>
+          </p:cNvPr>
+          <p:cNvSpPr txBox="1"/>
+          <p:nvPr/>
+        </p:nvSpPr>
+        <p:spPr>
+          <a:xfrm>
+            <a:off x="1097280" y="1902725"/>
+            <a:ext cx="3834290" cy="923330"/>
+          </a:xfrm>
+          <a:prstGeom prst="rect">
+            <a:avLst/>
+          </a:prstGeom>
+          <a:noFill/>
+        </p:spPr>
+        <p:txBody>
+          <a:bodyPr wrap="square">
+            <a:spAutoFit/>
+          </a:bodyPr>
+          <a:lstStyle/>
+          <a:p>
+            <a:r>
+              <a:rPr lang="en-US" b="1" dirty="0">
+                <a:effectLst/>
+              </a:rPr>
+              <a:t>Seattle-Tacoma-Bellevue, WA</a:t>
+            </a:r>
+          </a:p>
+          <a:p>
+            <a:r>
+              <a:rPr lang="en-US" b="1" dirty="0">
+                <a:effectLst/>
+              </a:rPr>
+              <a:t>Metro Area</a:t>
+            </a:r>
+          </a:p>
+          <a:p>
+            <a:pPr algn="l"/>
+            <a:r>
+              <a:rPr lang="en-US" b="1" i="0" dirty="0">
+                <a:solidFill>
+                  <a:srgbClr val="111111"/>
+                </a:solidFill>
+                <a:effectLst/>
+                <a:latin typeface="Lato" panose="020F0502020204030203" pitchFamily="34" charset="0"/>
+              </a:rPr>
+              <a:t>Population – 4,034,248</a:t>
+            </a:r>
+            <a:endParaRPr lang="en-US" b="0" i="0" dirty="0">
+              <a:solidFill>
+                <a:srgbClr val="111111"/>
+              </a:solidFill>
+              <a:effectLst/>
+              <a:latin typeface="Lato" panose="020F0502020204030203" pitchFamily="34" charset="0"/>
+            </a:endParaRPr>
+          </a:p>
+        </p:txBody>
+      </p:sp>
+      <p:pic>
+        <p:nvPicPr>
+          <p:cNvPr id="8" name="Picture 7">
+            <a:extLst>
+              <a:ext uri="{FF2B5EF4-FFF2-40B4-BE49-F238E27FC236}">
+                <a16:creationId xmlns:a16="http://schemas.microsoft.com/office/drawing/2014/main" id="{8887C6F5-3CF2-C19E-9CED-497BB6ACAA7E}"/>
+              </a:ext>
+            </a:extLst>
+          </p:cNvPr>
+          <p:cNvPicPr>
+            <a:picLocks noChangeAspect="1"/>
+          </p:cNvPicPr>
+          <p:nvPr/>
+        </p:nvPicPr>
+        <p:blipFill rotWithShape="1">
+          <a:blip r:embed="rId2"/>
+          <a:srcRect b="35785"/>
+          <a:stretch/>
+        </p:blipFill>
+        <p:spPr>
+          <a:xfrm>
+            <a:off x="4830618" y="2146744"/>
+            <a:ext cx="7258269" cy="4030244"/>
+          </a:xfrm>
+          <a:prstGeom prst="rect">
+            <a:avLst/>
+          </a:prstGeom>
+        </p:spPr>
+      </p:pic>
+      <p:pic>
+        <p:nvPicPr>
+          <p:cNvPr id="9" name="Picture 8">
+            <a:extLst>
+              <a:ext uri="{FF2B5EF4-FFF2-40B4-BE49-F238E27FC236}">
+                <a16:creationId xmlns:a16="http://schemas.microsoft.com/office/drawing/2014/main" id="{BB04C194-0631-BB50-F535-A268D57D7F4A}"/>
+              </a:ext>
+            </a:extLst>
+          </p:cNvPr>
+          <p:cNvPicPr>
+            <a:picLocks noChangeAspect="1"/>
+          </p:cNvPicPr>
+          <p:nvPr/>
+        </p:nvPicPr>
+        <p:blipFill rotWithShape="1">
+          <a:blip r:embed="rId2"/>
+          <a:srcRect t="72004"/>
+          <a:stretch/>
+        </p:blipFill>
+        <p:spPr>
+          <a:xfrm>
+            <a:off x="4830618" y="374691"/>
+            <a:ext cx="7258269" cy="1757080"/>
+          </a:xfrm>
+          <a:prstGeom prst="rect">
+            <a:avLst/>
+          </a:prstGeom>
+        </p:spPr>
+      </p:pic>
+      <p:sp>
+        <p:nvSpPr>
+          <p:cNvPr id="10" name="TextBox 9">
+            <a:extLst>
+              <a:ext uri="{FF2B5EF4-FFF2-40B4-BE49-F238E27FC236}">
+                <a16:creationId xmlns:a16="http://schemas.microsoft.com/office/drawing/2014/main" id="{969EE554-2F0A-827A-3A50-9ED5F64F57A5}"/>
+              </a:ext>
+            </a:extLst>
+          </p:cNvPr>
+          <p:cNvSpPr txBox="1"/>
+          <p:nvPr/>
+        </p:nvSpPr>
+        <p:spPr>
+          <a:xfrm>
+            <a:off x="1097280" y="3161143"/>
+            <a:ext cx="3579195" cy="1754326"/>
+          </a:xfrm>
+          <a:prstGeom prst="rect">
+            <a:avLst/>
+          </a:prstGeom>
+          <a:noFill/>
+        </p:spPr>
+        <p:txBody>
+          <a:bodyPr wrap="square" rtlCol="0">
+            <a:spAutoFit/>
+          </a:bodyPr>
+          <a:lstStyle/>
+          <a:p>
+            <a:r>
+              <a:rPr lang="en-US" b="1" dirty="0"/>
+              <a:t>Observations</a:t>
+            </a:r>
+          </a:p>
+          <a:p>
+            <a:pPr marL="285750" indent="-285750">
+              <a:buFont typeface="Arial" panose="020B0604020202020204" pitchFamily="34" charset="0"/>
+              <a:buChar char="•"/>
+            </a:pPr>
+            <a:r>
+              <a:rPr lang="en-US" dirty="0"/>
+              <a:t>Median Income is $106,909</a:t>
+            </a:r>
+          </a:p>
+          <a:p>
+            <a:pPr marL="285750" indent="-285750">
+              <a:buFont typeface="Arial" panose="020B0604020202020204" pitchFamily="34" charset="0"/>
+              <a:buChar char="•"/>
+            </a:pPr>
+            <a:r>
+              <a:rPr lang="en-US" dirty="0"/>
+              <a:t>31% make between $100-200K</a:t>
+            </a:r>
+          </a:p>
+          <a:p>
+            <a:pPr marL="285750" indent="-285750">
+              <a:buFont typeface="Arial" panose="020B0604020202020204" pitchFamily="34" charset="0"/>
+              <a:buChar char="•"/>
+            </a:pPr>
+            <a:r>
+              <a:rPr lang="en-US" dirty="0"/>
+              <a:t>65% of population is 18-24</a:t>
+            </a:r>
+          </a:p>
+          <a:p>
+            <a:pPr marL="285750" indent="-285750">
+              <a:buFont typeface="Arial" panose="020B0604020202020204" pitchFamily="34" charset="0"/>
+              <a:buChar char="•"/>
+            </a:pPr>
+            <a:r>
+              <a:rPr lang="en-US" dirty="0"/>
+              <a:t>68% of the population is white and Hispanic</a:t>
+            </a:r>
+          </a:p>
+        </p:txBody>
+      </p:sp>
+      <p:sp>
+        <p:nvSpPr>
+          <p:cNvPr id="11" name="TextBox 10">
+            <a:extLst>
+              <a:ext uri="{FF2B5EF4-FFF2-40B4-BE49-F238E27FC236}">
+                <a16:creationId xmlns:a16="http://schemas.microsoft.com/office/drawing/2014/main" id="{4C83D734-7540-36B5-2383-74317C58160B}"/>
+              </a:ext>
+            </a:extLst>
+          </p:cNvPr>
+          <p:cNvSpPr txBox="1"/>
+          <p:nvPr/>
+        </p:nvSpPr>
+        <p:spPr>
+          <a:xfrm>
+            <a:off x="603848" y="6038488"/>
+            <a:ext cx="4848045" cy="276999"/>
+          </a:xfrm>
+          <a:prstGeom prst="rect">
+            <a:avLst/>
+          </a:prstGeom>
+          <a:noFill/>
+        </p:spPr>
+        <p:txBody>
+          <a:bodyPr wrap="square" rtlCol="0">
+            <a:spAutoFit/>
+          </a:bodyPr>
+          <a:lstStyle/>
+          <a:p>
+            <a:r>
+              <a:rPr lang="en-US" sz="1200" dirty="0">
+                <a:solidFill>
+                  <a:schemeClr val="bg1">
+                    <a:lumMod val="50000"/>
+                  </a:schemeClr>
+                </a:solidFill>
+              </a:rPr>
+              <a:t>Source : https://censusreporter.org/</a:t>
+            </a:r>
           </a:p>
         </p:txBody>
       </p:sp>
     </p:spTree>
     <p:extLst>
       <p:ext uri="{BB962C8B-B14F-4D97-AF65-F5344CB8AC3E}">
-        <p14:creationId xmlns:p14="http://schemas.microsoft.com/office/powerpoint/2010/main" val="510059181"/>
+        <p14:creationId xmlns:p14="http://schemas.microsoft.com/office/powerpoint/2010/main" val="1092521322"/>
+      </p:ext>
+    </p:extLst>
+  </p:cSld>
+  <p:clrMapOvr>
+    <a:masterClrMapping/>
+  </p:clrMapOvr>
+</p:sld>
+</file>
+
+<file path=ppt/slides/slide15.xml><?xml version="1.0" encoding="utf-8"?>
+<p:sld xmlns:a="http://schemas.openxmlformats.org/drawingml/2006/main" xmlns:r="http://schemas.openxmlformats.org/officeDocument/2006/relationships" xmlns:p="http://schemas.openxmlformats.org/presentationml/2006/main">
+  <p:cSld>
+    <p:spTree>
+      <p:nvGrpSpPr>
+        <p:cNvPr id="1" name=""/>
+        <p:cNvGrpSpPr/>
+        <p:nvPr/>
+      </p:nvGrpSpPr>
+      <p:grpSpPr>
+        <a:xfrm>
+          <a:off x="0" y="0"/>
+          <a:ext cx="0" cy="0"/>
+          <a:chOff x="0" y="0"/>
+          <a:chExt cx="0" cy="0"/>
+        </a:xfrm>
+      </p:grpSpPr>
+      <p:sp>
+        <p:nvSpPr>
+          <p:cNvPr id="2" name="Title 1">
+            <a:extLst>
+              <a:ext uri="{FF2B5EF4-FFF2-40B4-BE49-F238E27FC236}">
+                <a16:creationId xmlns:a16="http://schemas.microsoft.com/office/drawing/2014/main" id="{2A9D95E5-6BB1-E5DB-9AB8-20D3331D30C2}"/>
+              </a:ext>
+            </a:extLst>
+          </p:cNvPr>
+          <p:cNvSpPr>
+            <a:spLocks noGrp="1"/>
+          </p:cNvSpPr>
+          <p:nvPr>
+            <p:ph type="title"/>
+          </p:nvPr>
+        </p:nvSpPr>
+        <p:spPr/>
+        <p:txBody>
+          <a:bodyPr>
+            <a:normAutofit/>
+          </a:bodyPr>
+          <a:lstStyle/>
+          <a:p>
+            <a:r>
+              <a:rPr lang="en-US" sz="3200" dirty="0"/>
+              <a:t>Seattle, Washington</a:t>
+            </a:r>
+            <a:br>
+              <a:rPr lang="en-US" sz="3200" dirty="0"/>
+            </a:br>
+            <a:r>
+              <a:rPr lang="en-US" sz="3200" dirty="0"/>
+              <a:t>Demographics</a:t>
+            </a:r>
+          </a:p>
+        </p:txBody>
+      </p:sp>
+      <p:pic>
+        <p:nvPicPr>
+          <p:cNvPr id="5" name="Picture 4">
+            <a:extLst>
+              <a:ext uri="{FF2B5EF4-FFF2-40B4-BE49-F238E27FC236}">
+                <a16:creationId xmlns:a16="http://schemas.microsoft.com/office/drawing/2014/main" id="{0B0B62FC-8B43-AC1B-6B1F-A2BFFAE7E3C5}"/>
+              </a:ext>
+            </a:extLst>
+          </p:cNvPr>
+          <p:cNvPicPr>
+            <a:picLocks noChangeAspect="1"/>
+          </p:cNvPicPr>
+          <p:nvPr/>
+        </p:nvPicPr>
+        <p:blipFill rotWithShape="1">
+          <a:blip r:embed="rId2"/>
+          <a:srcRect l="29925" t="17125" r="20909" b="15786"/>
+          <a:stretch/>
+        </p:blipFill>
+        <p:spPr>
+          <a:xfrm>
+            <a:off x="4479636" y="429654"/>
+            <a:ext cx="7712364" cy="5656526"/>
+          </a:xfrm>
+          <a:prstGeom prst="rect">
+            <a:avLst/>
+          </a:prstGeom>
+        </p:spPr>
+      </p:pic>
+      <p:sp>
+        <p:nvSpPr>
+          <p:cNvPr id="7" name="TextBox 6">
+            <a:extLst>
+              <a:ext uri="{FF2B5EF4-FFF2-40B4-BE49-F238E27FC236}">
+                <a16:creationId xmlns:a16="http://schemas.microsoft.com/office/drawing/2014/main" id="{B78051A2-CF77-16A6-500D-612AF326B236}"/>
+              </a:ext>
+            </a:extLst>
+          </p:cNvPr>
+          <p:cNvSpPr txBox="1"/>
+          <p:nvPr/>
+        </p:nvSpPr>
+        <p:spPr>
+          <a:xfrm>
+            <a:off x="603848" y="6038488"/>
+            <a:ext cx="4848045" cy="276999"/>
+          </a:xfrm>
+          <a:prstGeom prst="rect">
+            <a:avLst/>
+          </a:prstGeom>
+          <a:noFill/>
+        </p:spPr>
+        <p:txBody>
+          <a:bodyPr wrap="square" rtlCol="0">
+            <a:spAutoFit/>
+          </a:bodyPr>
+          <a:lstStyle/>
+          <a:p>
+            <a:r>
+              <a:rPr lang="en-US" sz="1200" dirty="0">
+                <a:solidFill>
+                  <a:schemeClr val="bg1">
+                    <a:lumMod val="50000"/>
+                  </a:schemeClr>
+                </a:solidFill>
+              </a:rPr>
+              <a:t>Source : https://censusreporter.org/</a:t>
+            </a:r>
+          </a:p>
+        </p:txBody>
+      </p:sp>
+      <p:sp>
+        <p:nvSpPr>
+          <p:cNvPr id="8" name="TextBox 7">
+            <a:extLst>
+              <a:ext uri="{FF2B5EF4-FFF2-40B4-BE49-F238E27FC236}">
+                <a16:creationId xmlns:a16="http://schemas.microsoft.com/office/drawing/2014/main" id="{CEB2F165-D984-FAEB-EBFA-21E235D51CC0}"/>
+              </a:ext>
+            </a:extLst>
+          </p:cNvPr>
+          <p:cNvSpPr txBox="1"/>
+          <p:nvPr/>
+        </p:nvSpPr>
+        <p:spPr>
+          <a:xfrm>
+            <a:off x="644703" y="2006600"/>
+            <a:ext cx="4070199" cy="1754326"/>
+          </a:xfrm>
+          <a:prstGeom prst="rect">
+            <a:avLst/>
+          </a:prstGeom>
+          <a:noFill/>
+        </p:spPr>
+        <p:txBody>
+          <a:bodyPr wrap="square" rtlCol="0">
+            <a:spAutoFit/>
+          </a:bodyPr>
+          <a:lstStyle/>
+          <a:p>
+            <a:r>
+              <a:rPr lang="en-US" b="1" dirty="0"/>
+              <a:t>Observations</a:t>
+            </a:r>
+          </a:p>
+          <a:p>
+            <a:pPr marL="285750" indent="-285750">
+              <a:buFont typeface="Arial" panose="020B0604020202020204" pitchFamily="34" charset="0"/>
+              <a:buChar char="•"/>
+            </a:pPr>
+            <a:r>
+              <a:rPr lang="en-US" dirty="0"/>
+              <a:t>60% of housing is owner-occupied</a:t>
+            </a:r>
+          </a:p>
+          <a:p>
+            <a:pPr marL="285750" indent="-285750">
+              <a:buFont typeface="Arial" panose="020B0604020202020204" pitchFamily="34" charset="0"/>
+              <a:buChar char="•"/>
+            </a:pPr>
+            <a:r>
+              <a:rPr lang="en-US" dirty="0"/>
+              <a:t>61% are single-unit structures</a:t>
+            </a:r>
+          </a:p>
+          <a:p>
+            <a:pPr marL="285750" indent="-285750">
+              <a:buFont typeface="Arial" panose="020B0604020202020204" pitchFamily="34" charset="0"/>
+              <a:buChar char="•"/>
+            </a:pPr>
+            <a:r>
+              <a:rPr lang="en-US" dirty="0"/>
+              <a:t>The median value is $718,100</a:t>
+            </a:r>
+          </a:p>
+          <a:p>
+            <a:pPr marL="285750" indent="-285750">
+              <a:buFont typeface="Arial" panose="020B0604020202020204" pitchFamily="34" charset="0"/>
+              <a:buChar char="•"/>
+            </a:pPr>
+            <a:r>
+              <a:rPr lang="en-US" dirty="0"/>
+              <a:t>49% of homes are valued at $500K - $1M</a:t>
+            </a:r>
+          </a:p>
+        </p:txBody>
+      </p:sp>
+    </p:spTree>
+    <p:extLst>
+      <p:ext uri="{BB962C8B-B14F-4D97-AF65-F5344CB8AC3E}">
+        <p14:creationId xmlns:p14="http://schemas.microsoft.com/office/powerpoint/2010/main" val="3542479750"/>
+      </p:ext>
+    </p:extLst>
+  </p:cSld>
+  <p:clrMapOvr>
+    <a:masterClrMapping/>
+  </p:clrMapOvr>
+</p:sld>
+</file>
+
+<file path=ppt/slides/slide16.xml><?xml version="1.0" encoding="utf-8"?>
+<p:sld xmlns:a="http://schemas.openxmlformats.org/drawingml/2006/main" xmlns:r="http://schemas.openxmlformats.org/officeDocument/2006/relationships" xmlns:p="http://schemas.openxmlformats.org/presentationml/2006/main">
+  <p:cSld>
+    <p:spTree>
+      <p:nvGrpSpPr>
+        <p:cNvPr id="1" name=""/>
+        <p:cNvGrpSpPr/>
+        <p:nvPr/>
+      </p:nvGrpSpPr>
+      <p:grpSpPr>
+        <a:xfrm>
+          <a:off x="0" y="0"/>
+          <a:ext cx="0" cy="0"/>
+          <a:chOff x="0" y="0"/>
+          <a:chExt cx="0" cy="0"/>
+        </a:xfrm>
+      </p:grpSpPr>
+      <p:sp>
+        <p:nvSpPr>
+          <p:cNvPr id="2" name="Title 1">
+            <a:extLst>
+              <a:ext uri="{FF2B5EF4-FFF2-40B4-BE49-F238E27FC236}">
+                <a16:creationId xmlns:a16="http://schemas.microsoft.com/office/drawing/2014/main" id="{2A9D95E5-6BB1-E5DB-9AB8-20D3331D30C2}"/>
+              </a:ext>
+            </a:extLst>
+          </p:cNvPr>
+          <p:cNvSpPr>
+            <a:spLocks noGrp="1"/>
+          </p:cNvSpPr>
+          <p:nvPr>
+            <p:ph type="title"/>
+          </p:nvPr>
+        </p:nvSpPr>
+        <p:spPr/>
+        <p:txBody>
+          <a:bodyPr>
+            <a:normAutofit/>
+          </a:bodyPr>
+          <a:lstStyle/>
+          <a:p>
+            <a:r>
+              <a:rPr lang="en-US" sz="3200" dirty="0"/>
+              <a:t>Seattle, Washington</a:t>
+            </a:r>
+          </a:p>
+        </p:txBody>
+      </p:sp>
+      <p:sp>
+        <p:nvSpPr>
+          <p:cNvPr id="3" name="TextBox 2">
+            <a:extLst>
+              <a:ext uri="{FF2B5EF4-FFF2-40B4-BE49-F238E27FC236}">
+                <a16:creationId xmlns:a16="http://schemas.microsoft.com/office/drawing/2014/main" id="{3EA195BC-47EC-85B8-F7BA-8EA486406BE6}"/>
+              </a:ext>
+            </a:extLst>
+          </p:cNvPr>
+          <p:cNvSpPr txBox="1"/>
+          <p:nvPr/>
+        </p:nvSpPr>
+        <p:spPr>
+          <a:xfrm>
+            <a:off x="603848" y="6038488"/>
+            <a:ext cx="4848045" cy="276999"/>
+          </a:xfrm>
+          <a:prstGeom prst="rect">
+            <a:avLst/>
+          </a:prstGeom>
+          <a:noFill/>
+        </p:spPr>
+        <p:txBody>
+          <a:bodyPr wrap="square" rtlCol="0">
+            <a:spAutoFit/>
+          </a:bodyPr>
+          <a:lstStyle/>
+          <a:p>
+            <a:r>
+              <a:rPr lang="en-US" sz="1200" dirty="0">
+                <a:solidFill>
+                  <a:schemeClr val="bg1">
+                    <a:lumMod val="50000"/>
+                  </a:schemeClr>
+                </a:solidFill>
+              </a:rPr>
+              <a:t>Source : </a:t>
+            </a:r>
+            <a:r>
+              <a:rPr lang="en-US" sz="1200" dirty="0">
+                <a:solidFill>
+                  <a:schemeClr val="bg1">
+                    <a:lumMod val="50000"/>
+                  </a:schemeClr>
+                </a:solidFill>
+                <a:hlinkClick r:id="rId2"/>
+              </a:rPr>
+              <a:t>https://developer.ticketmaster.com</a:t>
+            </a:r>
+            <a:r>
+              <a:rPr lang="en-US" sz="1200" dirty="0">
+                <a:solidFill>
+                  <a:schemeClr val="bg1">
+                    <a:lumMod val="50000"/>
+                  </a:schemeClr>
+                </a:solidFill>
+              </a:rPr>
+              <a:t> and censusreporter.org</a:t>
+            </a:r>
+          </a:p>
+        </p:txBody>
+      </p:sp>
+      <p:sp>
+        <p:nvSpPr>
+          <p:cNvPr id="5" name="TextBox 4">
+            <a:extLst>
+              <a:ext uri="{FF2B5EF4-FFF2-40B4-BE49-F238E27FC236}">
+                <a16:creationId xmlns:a16="http://schemas.microsoft.com/office/drawing/2014/main" id="{5B345E07-C5B6-C5D0-A135-D94F299A1252}"/>
+              </a:ext>
+            </a:extLst>
+          </p:cNvPr>
+          <p:cNvSpPr txBox="1"/>
+          <p:nvPr/>
+        </p:nvSpPr>
+        <p:spPr>
+          <a:xfrm>
+            <a:off x="1180027" y="3429000"/>
+            <a:ext cx="6855609" cy="1477328"/>
+          </a:xfrm>
+          <a:prstGeom prst="rect">
+            <a:avLst/>
+          </a:prstGeom>
+          <a:noFill/>
+        </p:spPr>
+        <p:txBody>
+          <a:bodyPr wrap="square" rtlCol="0">
+            <a:spAutoFit/>
+          </a:bodyPr>
+          <a:lstStyle/>
+          <a:p>
+            <a:r>
+              <a:rPr lang="en-US" b="1" dirty="0"/>
+              <a:t>Observations</a:t>
+            </a:r>
+          </a:p>
+          <a:p>
+            <a:pPr marL="285750" indent="-285750">
+              <a:buFont typeface="Arial" panose="020B0604020202020204" pitchFamily="34" charset="0"/>
+              <a:buChar char="•"/>
+            </a:pPr>
+            <a:r>
+              <a:rPr lang="en-US" dirty="0"/>
+              <a:t>The minimum price is similar for all artists except Depeche Mode</a:t>
+            </a:r>
+          </a:p>
+          <a:p>
+            <a:pPr marL="285750" indent="-285750">
+              <a:buFont typeface="Arial" panose="020B0604020202020204" pitchFamily="34" charset="0"/>
+              <a:buChar char="•"/>
+            </a:pPr>
+            <a:r>
+              <a:rPr lang="en-US" dirty="0"/>
+              <a:t>The maximum price is the most expensive for Depeche Mode.</a:t>
+            </a:r>
+          </a:p>
+          <a:p>
+            <a:pPr marL="285750" indent="-285750">
+              <a:buFont typeface="Arial" panose="020B0604020202020204" pitchFamily="34" charset="0"/>
+              <a:buChar char="•"/>
+            </a:pPr>
+            <a:r>
+              <a:rPr lang="en-US" dirty="0"/>
+              <a:t>The minimum price is reasonable for most of the population.</a:t>
+            </a:r>
+          </a:p>
+          <a:p>
+            <a:pPr marL="285750" indent="-285750">
+              <a:buFont typeface="Arial" panose="020B0604020202020204" pitchFamily="34" charset="0"/>
+              <a:buChar char="•"/>
+            </a:pPr>
+            <a:r>
+              <a:rPr lang="en-US" dirty="0"/>
+              <a:t>The max price would be a burden for most of the population</a:t>
+            </a:r>
+          </a:p>
+        </p:txBody>
+      </p:sp>
+      <p:pic>
+        <p:nvPicPr>
+          <p:cNvPr id="8" name="Picture 7">
+            <a:extLst>
+              <a:ext uri="{FF2B5EF4-FFF2-40B4-BE49-F238E27FC236}">
+                <a16:creationId xmlns:a16="http://schemas.microsoft.com/office/drawing/2014/main" id="{75A1F0CE-C9E9-4734-B264-2E09BE5CFC1B}"/>
+              </a:ext>
+            </a:extLst>
+          </p:cNvPr>
+          <p:cNvPicPr>
+            <a:picLocks noChangeAspect="1"/>
+          </p:cNvPicPr>
+          <p:nvPr/>
+        </p:nvPicPr>
+        <p:blipFill>
+          <a:blip r:embed="rId3"/>
+          <a:stretch>
+            <a:fillRect/>
+          </a:stretch>
+        </p:blipFill>
+        <p:spPr>
+          <a:xfrm>
+            <a:off x="7763774" y="434772"/>
+            <a:ext cx="3872312" cy="5507288"/>
+          </a:xfrm>
+          <a:prstGeom prst="rect">
+            <a:avLst/>
+          </a:prstGeom>
+        </p:spPr>
+      </p:pic>
+      <p:pic>
+        <p:nvPicPr>
+          <p:cNvPr id="9" name="Picture 8">
+            <a:extLst>
+              <a:ext uri="{FF2B5EF4-FFF2-40B4-BE49-F238E27FC236}">
+                <a16:creationId xmlns:a16="http://schemas.microsoft.com/office/drawing/2014/main" id="{EFE58369-89CC-2999-2556-B7A1D16DBE5A}"/>
+              </a:ext>
+            </a:extLst>
+          </p:cNvPr>
+          <p:cNvPicPr>
+            <a:picLocks noChangeAspect="1"/>
+          </p:cNvPicPr>
+          <p:nvPr/>
+        </p:nvPicPr>
+        <p:blipFill>
+          <a:blip r:embed="rId4"/>
+          <a:stretch>
+            <a:fillRect/>
+          </a:stretch>
+        </p:blipFill>
+        <p:spPr>
+          <a:xfrm>
+            <a:off x="1180027" y="1843903"/>
+            <a:ext cx="1670449" cy="1585097"/>
+          </a:xfrm>
+          <a:prstGeom prst="rect">
+            <a:avLst/>
+          </a:prstGeom>
+        </p:spPr>
+      </p:pic>
+    </p:spTree>
+    <p:extLst>
+      <p:ext uri="{BB962C8B-B14F-4D97-AF65-F5344CB8AC3E}">
+        <p14:creationId xmlns:p14="http://schemas.microsoft.com/office/powerpoint/2010/main" val="437213823"/>
+      </p:ext>
+    </p:extLst>
+  </p:cSld>
+  <p:clrMapOvr>
+    <a:masterClrMapping/>
+  </p:clrMapOvr>
+</p:sld>
+</file>
+
+<file path=ppt/slides/slide17.xml><?xml version="1.0" encoding="utf-8"?>
+<p:sld xmlns:a="http://schemas.openxmlformats.org/drawingml/2006/main" xmlns:r="http://schemas.openxmlformats.org/officeDocument/2006/relationships" xmlns:p="http://schemas.openxmlformats.org/presentationml/2006/main">
+  <p:cSld>
+    <p:spTree>
+      <p:nvGrpSpPr>
+        <p:cNvPr id="1" name=""/>
+        <p:cNvGrpSpPr/>
+        <p:nvPr/>
+      </p:nvGrpSpPr>
+      <p:grpSpPr>
+        <a:xfrm>
+          <a:off x="0" y="0"/>
+          <a:ext cx="0" cy="0"/>
+          <a:chOff x="0" y="0"/>
+          <a:chExt cx="0" cy="0"/>
+        </a:xfrm>
+      </p:grpSpPr>
+      <p:sp>
+        <p:nvSpPr>
+          <p:cNvPr id="2" name="Title 1">
+            <a:extLst>
+              <a:ext uri="{FF2B5EF4-FFF2-40B4-BE49-F238E27FC236}">
+                <a16:creationId xmlns:a16="http://schemas.microsoft.com/office/drawing/2014/main" id="{2A9D95E5-6BB1-E5DB-9AB8-20D3331D30C2}"/>
+              </a:ext>
+            </a:extLst>
+          </p:cNvPr>
+          <p:cNvSpPr>
+            <a:spLocks noGrp="1"/>
+          </p:cNvSpPr>
+          <p:nvPr>
+            <p:ph type="title"/>
+          </p:nvPr>
+        </p:nvSpPr>
+        <p:spPr/>
+        <p:txBody>
+          <a:bodyPr>
+            <a:normAutofit/>
+          </a:bodyPr>
+          <a:lstStyle/>
+          <a:p>
+            <a:r>
+              <a:rPr lang="en-US" sz="3200" dirty="0"/>
+              <a:t>Minneapolis/St. Paul, </a:t>
+            </a:r>
+            <a:br>
+              <a:rPr lang="en-US" sz="3200" dirty="0"/>
+            </a:br>
+            <a:r>
+              <a:rPr lang="en-US" sz="3200" dirty="0"/>
+              <a:t>Minnesota</a:t>
+            </a:r>
+          </a:p>
+        </p:txBody>
+      </p:sp>
+      <p:sp>
+        <p:nvSpPr>
+          <p:cNvPr id="5" name="TextBox 4">
+            <a:extLst>
+              <a:ext uri="{FF2B5EF4-FFF2-40B4-BE49-F238E27FC236}">
+                <a16:creationId xmlns:a16="http://schemas.microsoft.com/office/drawing/2014/main" id="{E5B99F31-67C1-55F9-41FC-0C3486638074}"/>
+              </a:ext>
+            </a:extLst>
+          </p:cNvPr>
+          <p:cNvSpPr txBox="1"/>
+          <p:nvPr/>
+        </p:nvSpPr>
+        <p:spPr>
+          <a:xfrm>
+            <a:off x="603848" y="6038488"/>
+            <a:ext cx="4848045" cy="276999"/>
+          </a:xfrm>
+          <a:prstGeom prst="rect">
+            <a:avLst/>
+          </a:prstGeom>
+          <a:noFill/>
+        </p:spPr>
+        <p:txBody>
+          <a:bodyPr wrap="square" rtlCol="0">
+            <a:spAutoFit/>
+          </a:bodyPr>
+          <a:lstStyle/>
+          <a:p>
+            <a:r>
+              <a:rPr lang="en-US" sz="1200" dirty="0">
+                <a:solidFill>
+                  <a:schemeClr val="bg1">
+                    <a:lumMod val="50000"/>
+                  </a:schemeClr>
+                </a:solidFill>
+              </a:rPr>
+              <a:t>Source : https://censusreporter.org/</a:t>
+            </a:r>
+          </a:p>
+        </p:txBody>
+      </p:sp>
+      <p:sp>
+        <p:nvSpPr>
+          <p:cNvPr id="7" name="TextBox 6">
+            <a:extLst>
+              <a:ext uri="{FF2B5EF4-FFF2-40B4-BE49-F238E27FC236}">
+                <a16:creationId xmlns:a16="http://schemas.microsoft.com/office/drawing/2014/main" id="{F2BB7515-F679-CDA5-122A-27D403926888}"/>
+              </a:ext>
+            </a:extLst>
+          </p:cNvPr>
+          <p:cNvSpPr txBox="1"/>
+          <p:nvPr/>
+        </p:nvSpPr>
+        <p:spPr>
+          <a:xfrm>
+            <a:off x="1097280" y="1902725"/>
+            <a:ext cx="3834290" cy="923330"/>
+          </a:xfrm>
+          <a:prstGeom prst="rect">
+            <a:avLst/>
+          </a:prstGeom>
+          <a:noFill/>
+        </p:spPr>
+        <p:txBody>
+          <a:bodyPr wrap="square">
+            <a:spAutoFit/>
+          </a:bodyPr>
+          <a:lstStyle/>
+          <a:p>
+            <a:pPr algn="l"/>
+            <a:r>
+              <a:rPr lang="en-US" b="1" i="0" dirty="0">
+                <a:solidFill>
+                  <a:srgbClr val="222222"/>
+                </a:solidFill>
+                <a:effectLst/>
+                <a:latin typeface="Lato" panose="020F0502020204030203" pitchFamily="34" charset="0"/>
+              </a:rPr>
+              <a:t>Minneapolis-St. Paul-Bloomington, MN-WI Metro Area</a:t>
+            </a:r>
+          </a:p>
+          <a:p>
+            <a:pPr algn="l"/>
+            <a:r>
+              <a:rPr lang="en-US" b="1" i="0" dirty="0">
+                <a:solidFill>
+                  <a:srgbClr val="111111"/>
+                </a:solidFill>
+                <a:effectLst/>
+                <a:latin typeface="Lato" panose="020F0502020204030203" pitchFamily="34" charset="0"/>
+              </a:rPr>
+              <a:t>Population – 3,693,729</a:t>
+            </a:r>
+            <a:endParaRPr lang="en-US" b="0" i="0" dirty="0">
+              <a:solidFill>
+                <a:srgbClr val="111111"/>
+              </a:solidFill>
+              <a:effectLst/>
+              <a:latin typeface="Lato" panose="020F0502020204030203" pitchFamily="34" charset="0"/>
+            </a:endParaRPr>
+          </a:p>
+        </p:txBody>
+      </p:sp>
+      <p:pic>
+        <p:nvPicPr>
+          <p:cNvPr id="10" name="Picture 9">
+            <a:extLst>
+              <a:ext uri="{FF2B5EF4-FFF2-40B4-BE49-F238E27FC236}">
+                <a16:creationId xmlns:a16="http://schemas.microsoft.com/office/drawing/2014/main" id="{172B169A-1A85-88EA-E2F6-4632C7D70AB8}"/>
+              </a:ext>
+            </a:extLst>
+          </p:cNvPr>
+          <p:cNvPicPr>
+            <a:picLocks noChangeAspect="1"/>
+          </p:cNvPicPr>
+          <p:nvPr/>
+        </p:nvPicPr>
+        <p:blipFill rotWithShape="1">
+          <a:blip r:embed="rId2"/>
+          <a:srcRect b="36029"/>
+          <a:stretch/>
+        </p:blipFill>
+        <p:spPr>
+          <a:xfrm>
+            <a:off x="5061995" y="2198255"/>
+            <a:ext cx="7130005" cy="3978732"/>
+          </a:xfrm>
+          <a:prstGeom prst="rect">
+            <a:avLst/>
+          </a:prstGeom>
+        </p:spPr>
+      </p:pic>
+      <p:pic>
+        <p:nvPicPr>
+          <p:cNvPr id="11" name="Picture 10">
+            <a:extLst>
+              <a:ext uri="{FF2B5EF4-FFF2-40B4-BE49-F238E27FC236}">
+                <a16:creationId xmlns:a16="http://schemas.microsoft.com/office/drawing/2014/main" id="{35696790-F9C9-75C3-FE8D-03ACD2DE2F88}"/>
+              </a:ext>
+            </a:extLst>
+          </p:cNvPr>
+          <p:cNvPicPr>
+            <a:picLocks noChangeAspect="1"/>
+          </p:cNvPicPr>
+          <p:nvPr/>
+        </p:nvPicPr>
+        <p:blipFill rotWithShape="1">
+          <a:blip r:embed="rId2"/>
+          <a:srcRect t="70712"/>
+          <a:stretch/>
+        </p:blipFill>
+        <p:spPr>
+          <a:xfrm>
+            <a:off x="5061995" y="158376"/>
+            <a:ext cx="7130006" cy="1821621"/>
+          </a:xfrm>
+          <a:prstGeom prst="rect">
+            <a:avLst/>
+          </a:prstGeom>
+        </p:spPr>
+      </p:pic>
+      <p:sp>
+        <p:nvSpPr>
+          <p:cNvPr id="12" name="TextBox 11">
+            <a:extLst>
+              <a:ext uri="{FF2B5EF4-FFF2-40B4-BE49-F238E27FC236}">
+                <a16:creationId xmlns:a16="http://schemas.microsoft.com/office/drawing/2014/main" id="{14986FAB-B4A9-FEF8-1E7C-5ACAC54090A3}"/>
+              </a:ext>
+            </a:extLst>
+          </p:cNvPr>
+          <p:cNvSpPr txBox="1"/>
+          <p:nvPr/>
+        </p:nvSpPr>
+        <p:spPr>
+          <a:xfrm>
+            <a:off x="1097280" y="3161143"/>
+            <a:ext cx="3579195" cy="1477328"/>
+          </a:xfrm>
+          <a:prstGeom prst="rect">
+            <a:avLst/>
+          </a:prstGeom>
+          <a:noFill/>
+        </p:spPr>
+        <p:txBody>
+          <a:bodyPr wrap="square" rtlCol="0">
+            <a:spAutoFit/>
+          </a:bodyPr>
+          <a:lstStyle/>
+          <a:p>
+            <a:r>
+              <a:rPr lang="en-US" b="1" dirty="0"/>
+              <a:t>Observations</a:t>
+            </a:r>
+          </a:p>
+          <a:p>
+            <a:pPr marL="285750" indent="-285750">
+              <a:buFont typeface="Arial" panose="020B0604020202020204" pitchFamily="34" charset="0"/>
+              <a:buChar char="•"/>
+            </a:pPr>
+            <a:r>
+              <a:rPr lang="en-US" dirty="0"/>
+              <a:t>Median Income is $91,341</a:t>
+            </a:r>
+          </a:p>
+          <a:p>
+            <a:pPr marL="285750" indent="-285750">
+              <a:buFont typeface="Arial" panose="020B0604020202020204" pitchFamily="34" charset="0"/>
+              <a:buChar char="•"/>
+            </a:pPr>
+            <a:r>
+              <a:rPr lang="en-US" dirty="0"/>
+              <a:t>31% make between $100-200K</a:t>
+            </a:r>
+          </a:p>
+          <a:p>
+            <a:pPr marL="285750" indent="-285750">
+              <a:buFont typeface="Arial" panose="020B0604020202020204" pitchFamily="34" charset="0"/>
+              <a:buChar char="•"/>
+            </a:pPr>
+            <a:r>
+              <a:rPr lang="en-US" dirty="0"/>
+              <a:t>61% of population is 18-24</a:t>
+            </a:r>
+          </a:p>
+          <a:p>
+            <a:pPr marL="285750" indent="-285750">
+              <a:buFont typeface="Arial" panose="020B0604020202020204" pitchFamily="34" charset="0"/>
+              <a:buChar char="•"/>
+            </a:pPr>
+            <a:r>
+              <a:rPr lang="en-US" dirty="0"/>
+              <a:t>72% of the population is white</a:t>
+            </a:r>
+          </a:p>
+        </p:txBody>
+      </p:sp>
+    </p:spTree>
+    <p:extLst>
+      <p:ext uri="{BB962C8B-B14F-4D97-AF65-F5344CB8AC3E}">
+        <p14:creationId xmlns:p14="http://schemas.microsoft.com/office/powerpoint/2010/main" val="2396891489"/>
+      </p:ext>
+    </p:extLst>
+  </p:cSld>
+  <p:clrMapOvr>
+    <a:masterClrMapping/>
+  </p:clrMapOvr>
+</p:sld>
+</file>
+
+<file path=ppt/slides/slide18.xml><?xml version="1.0" encoding="utf-8"?>
+<p:sld xmlns:a="http://schemas.openxmlformats.org/drawingml/2006/main" xmlns:r="http://schemas.openxmlformats.org/officeDocument/2006/relationships" xmlns:p="http://schemas.openxmlformats.org/presentationml/2006/main">
+  <p:cSld>
+    <p:spTree>
+      <p:nvGrpSpPr>
+        <p:cNvPr id="1" name=""/>
+        <p:cNvGrpSpPr/>
+        <p:nvPr/>
+      </p:nvGrpSpPr>
+      <p:grpSpPr>
+        <a:xfrm>
+          <a:off x="0" y="0"/>
+          <a:ext cx="0" cy="0"/>
+          <a:chOff x="0" y="0"/>
+          <a:chExt cx="0" cy="0"/>
+        </a:xfrm>
+      </p:grpSpPr>
+      <p:sp>
+        <p:nvSpPr>
+          <p:cNvPr id="2" name="Title 1">
+            <a:extLst>
+              <a:ext uri="{FF2B5EF4-FFF2-40B4-BE49-F238E27FC236}">
+                <a16:creationId xmlns:a16="http://schemas.microsoft.com/office/drawing/2014/main" id="{2A9D95E5-6BB1-E5DB-9AB8-20D3331D30C2}"/>
+              </a:ext>
+            </a:extLst>
+          </p:cNvPr>
+          <p:cNvSpPr>
+            <a:spLocks noGrp="1"/>
+          </p:cNvSpPr>
+          <p:nvPr>
+            <p:ph type="title"/>
+          </p:nvPr>
+        </p:nvSpPr>
+        <p:spPr/>
+        <p:txBody>
+          <a:bodyPr>
+            <a:normAutofit/>
+          </a:bodyPr>
+          <a:lstStyle/>
+          <a:p>
+            <a:r>
+              <a:rPr lang="en-US" sz="3200" dirty="0"/>
+              <a:t>Minneapolis/St. Paul, </a:t>
+            </a:r>
+            <a:br>
+              <a:rPr lang="en-US" sz="3200" dirty="0"/>
+            </a:br>
+            <a:r>
+              <a:rPr lang="en-US" sz="3200" dirty="0"/>
+              <a:t>Minnesota</a:t>
+            </a:r>
+          </a:p>
+        </p:txBody>
+      </p:sp>
+      <p:sp>
+        <p:nvSpPr>
+          <p:cNvPr id="5" name="TextBox 4">
+            <a:extLst>
+              <a:ext uri="{FF2B5EF4-FFF2-40B4-BE49-F238E27FC236}">
+                <a16:creationId xmlns:a16="http://schemas.microsoft.com/office/drawing/2014/main" id="{E5B99F31-67C1-55F9-41FC-0C3486638074}"/>
+              </a:ext>
+            </a:extLst>
+          </p:cNvPr>
+          <p:cNvSpPr txBox="1"/>
+          <p:nvPr/>
+        </p:nvSpPr>
+        <p:spPr>
+          <a:xfrm>
+            <a:off x="603848" y="6038488"/>
+            <a:ext cx="4848045" cy="276999"/>
+          </a:xfrm>
+          <a:prstGeom prst="rect">
+            <a:avLst/>
+          </a:prstGeom>
+          <a:noFill/>
+        </p:spPr>
+        <p:txBody>
+          <a:bodyPr wrap="square" rtlCol="0">
+            <a:spAutoFit/>
+          </a:bodyPr>
+          <a:lstStyle/>
+          <a:p>
+            <a:r>
+              <a:rPr lang="en-US" sz="1200" dirty="0">
+                <a:solidFill>
+                  <a:schemeClr val="bg1">
+                    <a:lumMod val="50000"/>
+                  </a:schemeClr>
+                </a:solidFill>
+              </a:rPr>
+              <a:t>Source : https://censusreporter.org/</a:t>
+            </a:r>
+          </a:p>
+        </p:txBody>
+      </p:sp>
+      <p:pic>
+        <p:nvPicPr>
+          <p:cNvPr id="4" name="Picture 3">
+            <a:extLst>
+              <a:ext uri="{FF2B5EF4-FFF2-40B4-BE49-F238E27FC236}">
+                <a16:creationId xmlns:a16="http://schemas.microsoft.com/office/drawing/2014/main" id="{2B5991E2-7F80-268F-483F-15E34DBF7FDE}"/>
+              </a:ext>
+            </a:extLst>
+          </p:cNvPr>
+          <p:cNvPicPr>
+            <a:picLocks noChangeAspect="1"/>
+          </p:cNvPicPr>
+          <p:nvPr/>
+        </p:nvPicPr>
+        <p:blipFill rotWithShape="1">
+          <a:blip r:embed="rId2"/>
+          <a:srcRect l="29773" t="10782" r="20985" b="21282"/>
+          <a:stretch/>
+        </p:blipFill>
+        <p:spPr>
+          <a:xfrm>
+            <a:off x="4593643" y="542514"/>
+            <a:ext cx="7598357" cy="5634474"/>
+          </a:xfrm>
+          <a:prstGeom prst="rect">
+            <a:avLst/>
+          </a:prstGeom>
+        </p:spPr>
+      </p:pic>
+      <p:sp>
+        <p:nvSpPr>
+          <p:cNvPr id="6" name="TextBox 5">
+            <a:extLst>
+              <a:ext uri="{FF2B5EF4-FFF2-40B4-BE49-F238E27FC236}">
+                <a16:creationId xmlns:a16="http://schemas.microsoft.com/office/drawing/2014/main" id="{4C107D10-ECD7-66E2-78B1-D9EB31F15026}"/>
+              </a:ext>
+            </a:extLst>
+          </p:cNvPr>
+          <p:cNvSpPr txBox="1"/>
+          <p:nvPr/>
+        </p:nvSpPr>
+        <p:spPr>
+          <a:xfrm>
+            <a:off x="644703" y="2006600"/>
+            <a:ext cx="4070199" cy="2031325"/>
+          </a:xfrm>
+          <a:prstGeom prst="rect">
+            <a:avLst/>
+          </a:prstGeom>
+          <a:noFill/>
+        </p:spPr>
+        <p:txBody>
+          <a:bodyPr wrap="square" rtlCol="0">
+            <a:spAutoFit/>
+          </a:bodyPr>
+          <a:lstStyle/>
+          <a:p>
+            <a:r>
+              <a:rPr lang="en-US" b="1" dirty="0"/>
+              <a:t>Observations</a:t>
+            </a:r>
+          </a:p>
+          <a:p>
+            <a:pPr marL="285750" indent="-285750">
+              <a:buFont typeface="Arial" panose="020B0604020202020204" pitchFamily="34" charset="0"/>
+              <a:buChar char="•"/>
+            </a:pPr>
+            <a:r>
+              <a:rPr lang="en-US" dirty="0"/>
+              <a:t>71% of housing is owner-occupied</a:t>
+            </a:r>
+          </a:p>
+          <a:p>
+            <a:pPr marL="285750" indent="-285750">
+              <a:buFont typeface="Arial" panose="020B0604020202020204" pitchFamily="34" charset="0"/>
+              <a:buChar char="•"/>
+            </a:pPr>
+            <a:r>
+              <a:rPr lang="en-US" dirty="0"/>
+              <a:t>70% are single-unit structures</a:t>
+            </a:r>
+          </a:p>
+          <a:p>
+            <a:pPr marL="285750" indent="-285750">
+              <a:buFont typeface="Arial" panose="020B0604020202020204" pitchFamily="34" charset="0"/>
+              <a:buChar char="•"/>
+            </a:pPr>
+            <a:r>
+              <a:rPr lang="en-US" dirty="0"/>
+              <a:t>The median value is $359,800</a:t>
+            </a:r>
+          </a:p>
+          <a:p>
+            <a:pPr marL="285750" indent="-285750">
+              <a:buFont typeface="Arial" panose="020B0604020202020204" pitchFamily="34" charset="0"/>
+              <a:buChar char="•"/>
+            </a:pPr>
+            <a:r>
+              <a:rPr lang="en-US" dirty="0"/>
+              <a:t>The home values are more evenly spread across multiple price ranges than the other markets</a:t>
+            </a:r>
+          </a:p>
+        </p:txBody>
+      </p:sp>
+    </p:spTree>
+    <p:extLst>
+      <p:ext uri="{BB962C8B-B14F-4D97-AF65-F5344CB8AC3E}">
+        <p14:creationId xmlns:p14="http://schemas.microsoft.com/office/powerpoint/2010/main" val="1075488256"/>
+      </p:ext>
+    </p:extLst>
+  </p:cSld>
+  <p:clrMapOvr>
+    <a:masterClrMapping/>
+  </p:clrMapOvr>
+</p:sld>
+</file>
+
+<file path=ppt/slides/slide19.xml><?xml version="1.0" encoding="utf-8"?>
+<p:sld xmlns:a="http://schemas.openxmlformats.org/drawingml/2006/main" xmlns:r="http://schemas.openxmlformats.org/officeDocument/2006/relationships" xmlns:p="http://schemas.openxmlformats.org/presentationml/2006/main">
+  <p:cSld>
+    <p:spTree>
+      <p:nvGrpSpPr>
+        <p:cNvPr id="1" name=""/>
+        <p:cNvGrpSpPr/>
+        <p:nvPr/>
+      </p:nvGrpSpPr>
+      <p:grpSpPr>
+        <a:xfrm>
+          <a:off x="0" y="0"/>
+          <a:ext cx="0" cy="0"/>
+          <a:chOff x="0" y="0"/>
+          <a:chExt cx="0" cy="0"/>
+        </a:xfrm>
+      </p:grpSpPr>
+      <p:sp>
+        <p:nvSpPr>
+          <p:cNvPr id="2" name="Title 1">
+            <a:extLst>
+              <a:ext uri="{FF2B5EF4-FFF2-40B4-BE49-F238E27FC236}">
+                <a16:creationId xmlns:a16="http://schemas.microsoft.com/office/drawing/2014/main" id="{2A9D95E5-6BB1-E5DB-9AB8-20D3331D30C2}"/>
+              </a:ext>
+            </a:extLst>
+          </p:cNvPr>
+          <p:cNvSpPr>
+            <a:spLocks noGrp="1"/>
+          </p:cNvSpPr>
+          <p:nvPr>
+            <p:ph type="title"/>
+          </p:nvPr>
+        </p:nvSpPr>
+        <p:spPr/>
+        <p:txBody>
+          <a:bodyPr>
+            <a:normAutofit/>
+          </a:bodyPr>
+          <a:lstStyle/>
+          <a:p>
+            <a:r>
+              <a:rPr lang="en-US" sz="3200" dirty="0"/>
+              <a:t>Minneapolis/St. Paul, </a:t>
+            </a:r>
+            <a:br>
+              <a:rPr lang="en-US" sz="3200" dirty="0"/>
+            </a:br>
+            <a:r>
+              <a:rPr lang="en-US" sz="3200" dirty="0"/>
+              <a:t>Minnesota</a:t>
+            </a:r>
+          </a:p>
+        </p:txBody>
+      </p:sp>
+      <p:sp>
+        <p:nvSpPr>
+          <p:cNvPr id="3" name="TextBox 2">
+            <a:extLst>
+              <a:ext uri="{FF2B5EF4-FFF2-40B4-BE49-F238E27FC236}">
+                <a16:creationId xmlns:a16="http://schemas.microsoft.com/office/drawing/2014/main" id="{312261F8-1561-0BC5-D3C7-7260AAD1409F}"/>
+              </a:ext>
+            </a:extLst>
+          </p:cNvPr>
+          <p:cNvSpPr txBox="1"/>
+          <p:nvPr/>
+        </p:nvSpPr>
+        <p:spPr>
+          <a:xfrm>
+            <a:off x="603848" y="6038488"/>
+            <a:ext cx="4848045" cy="276999"/>
+          </a:xfrm>
+          <a:prstGeom prst="rect">
+            <a:avLst/>
+          </a:prstGeom>
+          <a:noFill/>
+        </p:spPr>
+        <p:txBody>
+          <a:bodyPr wrap="square" rtlCol="0">
+            <a:spAutoFit/>
+          </a:bodyPr>
+          <a:lstStyle/>
+          <a:p>
+            <a:r>
+              <a:rPr lang="en-US" sz="1200" dirty="0">
+                <a:solidFill>
+                  <a:schemeClr val="bg1">
+                    <a:lumMod val="50000"/>
+                  </a:schemeClr>
+                </a:solidFill>
+              </a:rPr>
+              <a:t>Source : </a:t>
+            </a:r>
+            <a:r>
+              <a:rPr lang="en-US" sz="1200" dirty="0">
+                <a:solidFill>
+                  <a:schemeClr val="bg1">
+                    <a:lumMod val="50000"/>
+                  </a:schemeClr>
+                </a:solidFill>
+                <a:hlinkClick r:id="rId2"/>
+              </a:rPr>
+              <a:t>https://developer.ticketmaster.com</a:t>
+            </a:r>
+            <a:r>
+              <a:rPr lang="en-US" sz="1200" dirty="0">
+                <a:solidFill>
+                  <a:schemeClr val="bg1">
+                    <a:lumMod val="50000"/>
+                  </a:schemeClr>
+                </a:solidFill>
+              </a:rPr>
+              <a:t> and censusreporter.org</a:t>
+            </a:r>
+          </a:p>
+        </p:txBody>
+      </p:sp>
+      <p:sp>
+        <p:nvSpPr>
+          <p:cNvPr id="4" name="TextBox 3">
+            <a:extLst>
+              <a:ext uri="{FF2B5EF4-FFF2-40B4-BE49-F238E27FC236}">
+                <a16:creationId xmlns:a16="http://schemas.microsoft.com/office/drawing/2014/main" id="{5F0EEE05-D906-2009-275C-0C64AD684462}"/>
+              </a:ext>
+            </a:extLst>
+          </p:cNvPr>
+          <p:cNvSpPr txBox="1"/>
+          <p:nvPr/>
+        </p:nvSpPr>
+        <p:spPr>
+          <a:xfrm>
+            <a:off x="1128271" y="3817185"/>
+            <a:ext cx="6855609" cy="1754326"/>
+          </a:xfrm>
+          <a:prstGeom prst="rect">
+            <a:avLst/>
+          </a:prstGeom>
+          <a:noFill/>
+        </p:spPr>
+        <p:txBody>
+          <a:bodyPr wrap="square" rtlCol="0">
+            <a:spAutoFit/>
+          </a:bodyPr>
+          <a:lstStyle/>
+          <a:p>
+            <a:r>
+              <a:rPr lang="en-US" b="1" dirty="0"/>
+              <a:t>Observations</a:t>
+            </a:r>
+          </a:p>
+          <a:p>
+            <a:pPr marL="285750" indent="-285750">
+              <a:buFont typeface="Arial" panose="020B0604020202020204" pitchFamily="34" charset="0"/>
+              <a:buChar char="•"/>
+            </a:pPr>
+            <a:r>
+              <a:rPr lang="en-US" dirty="0"/>
+              <a:t>The minimum price is similar for all artists.</a:t>
+            </a:r>
+          </a:p>
+          <a:p>
+            <a:pPr marL="285750" indent="-285750">
+              <a:buFont typeface="Arial" panose="020B0604020202020204" pitchFamily="34" charset="0"/>
+              <a:buChar char="•"/>
+            </a:pPr>
+            <a:r>
+              <a:rPr lang="en-US" dirty="0"/>
+              <a:t>The maximum price is the most expensive in this metro area due to VIP packages.</a:t>
+            </a:r>
+          </a:p>
+          <a:p>
+            <a:pPr marL="285750" indent="-285750">
+              <a:buFont typeface="Arial" panose="020B0604020202020204" pitchFamily="34" charset="0"/>
+              <a:buChar char="•"/>
+            </a:pPr>
+            <a:r>
+              <a:rPr lang="en-US" dirty="0"/>
+              <a:t>The minimum price is reasonable for most of the population.</a:t>
+            </a:r>
+          </a:p>
+          <a:p>
+            <a:pPr marL="285750" indent="-285750">
+              <a:buFont typeface="Arial" panose="020B0604020202020204" pitchFamily="34" charset="0"/>
+              <a:buChar char="•"/>
+            </a:pPr>
+            <a:r>
+              <a:rPr lang="en-US" dirty="0"/>
+              <a:t>The max price would be a burden for most of the population</a:t>
+            </a:r>
+          </a:p>
+        </p:txBody>
+      </p:sp>
+      <p:pic>
+        <p:nvPicPr>
+          <p:cNvPr id="7" name="Picture 6">
+            <a:extLst>
+              <a:ext uri="{FF2B5EF4-FFF2-40B4-BE49-F238E27FC236}">
+                <a16:creationId xmlns:a16="http://schemas.microsoft.com/office/drawing/2014/main" id="{CF6B6A21-C3E1-90FE-9734-124D07F2967B}"/>
+              </a:ext>
+            </a:extLst>
+          </p:cNvPr>
+          <p:cNvPicPr>
+            <a:picLocks noChangeAspect="1"/>
+          </p:cNvPicPr>
+          <p:nvPr/>
+        </p:nvPicPr>
+        <p:blipFill>
+          <a:blip r:embed="rId3"/>
+          <a:stretch>
+            <a:fillRect/>
+          </a:stretch>
+        </p:blipFill>
+        <p:spPr>
+          <a:xfrm>
+            <a:off x="7487729" y="286603"/>
+            <a:ext cx="4251464" cy="5854476"/>
+          </a:xfrm>
+          <a:prstGeom prst="rect">
+            <a:avLst/>
+          </a:prstGeom>
+        </p:spPr>
+      </p:pic>
+      <p:pic>
+        <p:nvPicPr>
+          <p:cNvPr id="8" name="Picture 7">
+            <a:extLst>
+              <a:ext uri="{FF2B5EF4-FFF2-40B4-BE49-F238E27FC236}">
+                <a16:creationId xmlns:a16="http://schemas.microsoft.com/office/drawing/2014/main" id="{7C8A5310-221C-8328-B266-C3421EF68C88}"/>
+              </a:ext>
+            </a:extLst>
+          </p:cNvPr>
+          <p:cNvPicPr>
+            <a:picLocks noChangeAspect="1"/>
+          </p:cNvPicPr>
+          <p:nvPr/>
+        </p:nvPicPr>
+        <p:blipFill>
+          <a:blip r:embed="rId4"/>
+          <a:stretch>
+            <a:fillRect/>
+          </a:stretch>
+        </p:blipFill>
+        <p:spPr>
+          <a:xfrm>
+            <a:off x="1180027" y="1985031"/>
+            <a:ext cx="2243522" cy="1530229"/>
+          </a:xfrm>
+          <a:prstGeom prst="rect">
+            <a:avLst/>
+          </a:prstGeom>
+        </p:spPr>
+      </p:pic>
+    </p:spTree>
+    <p:extLst>
+      <p:ext uri="{BB962C8B-B14F-4D97-AF65-F5344CB8AC3E}">
+        <p14:creationId xmlns:p14="http://schemas.microsoft.com/office/powerpoint/2010/main" val="3978475817"/>
       </p:ext>
     </p:extLst>
   </p:cSld>
@@ -4479,6 +6738,130 @@
     <p:extLst>
       <p:ext uri="{BB962C8B-B14F-4D97-AF65-F5344CB8AC3E}">
         <p14:creationId xmlns:p14="http://schemas.microsoft.com/office/powerpoint/2010/main" val="4223830088"/>
+      </p:ext>
+    </p:extLst>
+  </p:cSld>
+  <p:clrMapOvr>
+    <a:masterClrMapping/>
+  </p:clrMapOvr>
+</p:sld>
+</file>
+
+<file path=ppt/slides/slide20.xml><?xml version="1.0" encoding="utf-8"?>
+<p:sld xmlns:a="http://schemas.openxmlformats.org/drawingml/2006/main" xmlns:r="http://schemas.openxmlformats.org/officeDocument/2006/relationships" xmlns:p="http://schemas.openxmlformats.org/presentationml/2006/main">
+  <p:cSld>
+    <p:spTree>
+      <p:nvGrpSpPr>
+        <p:cNvPr id="1" name=""/>
+        <p:cNvGrpSpPr/>
+        <p:nvPr/>
+      </p:nvGrpSpPr>
+      <p:grpSpPr>
+        <a:xfrm>
+          <a:off x="0" y="0"/>
+          <a:ext cx="0" cy="0"/>
+          <a:chOff x="0" y="0"/>
+          <a:chExt cx="0" cy="0"/>
+        </a:xfrm>
+      </p:grpSpPr>
+      <p:sp>
+        <p:nvSpPr>
+          <p:cNvPr id="2" name="Title 1">
+            <a:extLst>
+              <a:ext uri="{FF2B5EF4-FFF2-40B4-BE49-F238E27FC236}">
+                <a16:creationId xmlns:a16="http://schemas.microsoft.com/office/drawing/2014/main" id="{2A9D95E5-6BB1-E5DB-9AB8-20D3331D30C2}"/>
+              </a:ext>
+            </a:extLst>
+          </p:cNvPr>
+          <p:cNvSpPr>
+            <a:spLocks noGrp="1"/>
+          </p:cNvSpPr>
+          <p:nvPr>
+            <p:ph type="title"/>
+          </p:nvPr>
+        </p:nvSpPr>
+        <p:spPr/>
+        <p:txBody>
+          <a:bodyPr/>
+          <a:lstStyle/>
+          <a:p>
+            <a:r>
+              <a:rPr lang="en-US" dirty="0"/>
+              <a:t>Summary / Observations</a:t>
+            </a:r>
+          </a:p>
+        </p:txBody>
+      </p:sp>
+      <p:sp>
+        <p:nvSpPr>
+          <p:cNvPr id="4" name="TextBox 3">
+            <a:extLst>
+              <a:ext uri="{FF2B5EF4-FFF2-40B4-BE49-F238E27FC236}">
+                <a16:creationId xmlns:a16="http://schemas.microsoft.com/office/drawing/2014/main" id="{9C446BD1-35FC-5831-AE73-B0EE66136E84}"/>
+              </a:ext>
+            </a:extLst>
+          </p:cNvPr>
+          <p:cNvSpPr txBox="1"/>
+          <p:nvPr/>
+        </p:nvSpPr>
+        <p:spPr>
+          <a:xfrm>
+            <a:off x="1180027" y="2402460"/>
+            <a:ext cx="9741015" cy="2031325"/>
+          </a:xfrm>
+          <a:prstGeom prst="rect">
+            <a:avLst/>
+          </a:prstGeom>
+          <a:noFill/>
+        </p:spPr>
+        <p:txBody>
+          <a:bodyPr wrap="square" rtlCol="0">
+            <a:spAutoFit/>
+          </a:bodyPr>
+          <a:lstStyle/>
+          <a:p>
+            <a:pPr marL="285750" indent="-285750">
+              <a:buFont typeface="Arial" panose="020B0604020202020204" pitchFamily="34" charset="0"/>
+              <a:buChar char="•"/>
+            </a:pPr>
+            <a:r>
+              <a:rPr lang="en-US" dirty="0"/>
+              <a:t>The Minneapolis / St. Paul area is the most affordable market yet it had the highest ticket prices for Green Day and Tim McGraw due to VIP packages.</a:t>
+            </a:r>
+          </a:p>
+          <a:p>
+            <a:pPr marL="285750" indent="-285750">
+              <a:buFont typeface="Arial" panose="020B0604020202020204" pitchFamily="34" charset="0"/>
+              <a:buChar char="•"/>
+            </a:pPr>
+            <a:r>
+              <a:rPr lang="en-US" dirty="0"/>
+              <a:t>The Los Angeles metro area had the highest housing cost and the lowest income, but the ticket prices were still high.</a:t>
+            </a:r>
+          </a:p>
+          <a:p>
+            <a:pPr marL="285750" indent="-285750">
+              <a:buFont typeface="Arial" panose="020B0604020202020204" pitchFamily="34" charset="0"/>
+              <a:buChar char="•"/>
+            </a:pPr>
+            <a:r>
+              <a:rPr lang="en-US" dirty="0"/>
+              <a:t>Overall, the minimum ticket prices are affordable for most of the population in the markets we studied.  But the highest ticket prices would be a burden for most of the population.</a:t>
+            </a:r>
+          </a:p>
+          <a:p>
+            <a:pPr marL="285750" indent="-285750">
+              <a:buFont typeface="Arial" panose="020B0604020202020204" pitchFamily="34" charset="0"/>
+              <a:buChar char="•"/>
+            </a:pPr>
+            <a:endParaRPr lang="en-US" dirty="0"/>
+          </a:p>
+        </p:txBody>
+      </p:sp>
+    </p:spTree>
+    <p:extLst>
+      <p:ext uri="{BB962C8B-B14F-4D97-AF65-F5344CB8AC3E}">
+        <p14:creationId xmlns:p14="http://schemas.microsoft.com/office/powerpoint/2010/main" val="510059181"/>
       </p:ext>
     </p:extLst>
   </p:cSld>
@@ -11269,7 +13652,7 @@
         <p:spPr>
           <a:xfrm>
             <a:off x="720873" y="3976777"/>
-            <a:ext cx="5257233" cy="1477328"/>
+            <a:ext cx="5257233" cy="1754326"/>
           </a:xfrm>
           <a:prstGeom prst="rect">
             <a:avLst/>
@@ -11305,6 +13688,16 @@
             <a:r>
               <a:rPr lang="en-US" dirty="0"/>
               <a:t>Price ranges are mostly consistent across markets</a:t>
+            </a:r>
+          </a:p>
+          <a:p>
+            <a:pPr marL="285750" indent="-285750">
+              <a:buFont typeface="Arial" panose="020B0604020202020204" pitchFamily="34" charset="0"/>
+              <a:buChar char="•"/>
+            </a:pPr>
+            <a:r>
+              <a:rPr lang="en-US" dirty="0"/>
+              <a:t>Foo Fighters has the most reasonably priced tickets</a:t>
             </a:r>
           </a:p>
           <a:p>
@@ -17268,8 +19661,8 @@
         </p:nvSpPr>
         <p:spPr>
           <a:xfrm>
-            <a:off x="533482" y="3830128"/>
-            <a:ext cx="3378201" cy="2308324"/>
+            <a:off x="533482" y="3683482"/>
+            <a:ext cx="3624450" cy="2308324"/>
           </a:xfrm>
           <a:prstGeom prst="rect">
             <a:avLst/>
@@ -17314,7 +19707,7 @@
             </a:pPr>
             <a:r>
               <a:rPr lang="en-US" dirty="0"/>
-              <a:t>Minneapolis and Milwaukee are the most expensive markets</a:t>
+              <a:t>Minneapolis and Milwaukee are the most expensive markets due to VIP packages</a:t>
             </a:r>
           </a:p>
         </p:txBody>
@@ -23858,7 +26251,7 @@
         <p:spPr>
           <a:xfrm>
             <a:off x="533482" y="3830128"/>
-            <a:ext cx="3378201" cy="2031325"/>
+            <a:ext cx="3378201" cy="2308324"/>
           </a:xfrm>
           <a:prstGeom prst="rect">
             <a:avLst/>
@@ -23903,7 +26296,7 @@
             </a:pPr>
             <a:r>
               <a:rPr lang="en-US" dirty="0"/>
-              <a:t>Saint Paul and Eugene are the most expensive markets</a:t>
+              <a:t>Saint Paul and Eugene are the most expensive markets due to VIP packages</a:t>
             </a:r>
           </a:p>
         </p:txBody>
@@ -23997,12 +26390,21 @@
         </p:nvSpPr>
         <p:spPr/>
         <p:txBody>
-          <a:bodyPr/>
+          <a:bodyPr>
+            <a:normAutofit/>
+          </a:bodyPr>
           <a:lstStyle/>
           <a:p>
             <a:r>
-              <a:rPr lang="en-US" dirty="0"/>
-              <a:t>Denver, Colorado</a:t>
+              <a:rPr lang="en-US" sz="3200" dirty="0"/>
+              <a:t>Denver, Colorado </a:t>
+            </a:r>
+            <a:br>
+              <a:rPr lang="en-US" sz="3200" dirty="0"/>
+            </a:br>
+            <a:r>
+              <a:rPr lang="en-US" sz="3200" dirty="0"/>
+              <a:t>Demographics</a:t>
             </a:r>
           </a:p>
         </p:txBody>
@@ -24043,17 +26445,82 @@
                   </a:schemeClr>
                 </a:solidFill>
               </a:rPr>
-              <a:t>Source : https://developer.ticketmaster.com/</a:t>
+              <a:t>Source : https://censusreporter.org/</a:t>
             </a:r>
+          </a:p>
+        </p:txBody>
+      </p:sp>
+      <p:sp>
+        <p:nvSpPr>
+          <p:cNvPr id="5" name="TextBox 4">
+            <a:extLst>
+              <a:ext uri="{FF2B5EF4-FFF2-40B4-BE49-F238E27FC236}">
+                <a16:creationId xmlns:a16="http://schemas.microsoft.com/office/drawing/2014/main" id="{C6F5F92A-3F76-5ABA-3D19-F074CFF13252}"/>
+              </a:ext>
+            </a:extLst>
+          </p:cNvPr>
+          <p:cNvSpPr txBox="1"/>
+          <p:nvPr/>
+        </p:nvSpPr>
+        <p:spPr>
+          <a:xfrm>
+            <a:off x="1097280" y="1902725"/>
+            <a:ext cx="3834290" cy="923330"/>
+          </a:xfrm>
+          <a:prstGeom prst="rect">
+            <a:avLst/>
+          </a:prstGeom>
+          <a:noFill/>
+        </p:spPr>
+        <p:txBody>
+          <a:bodyPr wrap="square">
+            <a:spAutoFit/>
+          </a:bodyPr>
+          <a:lstStyle/>
+          <a:p>
+            <a:r>
+              <a:rPr lang="en-US" b="1" dirty="0">
+                <a:effectLst/>
+              </a:rPr>
+              <a:t>Denver-Aurora-Lakewood, CO </a:t>
+            </a:r>
+          </a:p>
+          <a:p>
+            <a:r>
+              <a:rPr lang="en-US" b="1" dirty="0">
+                <a:effectLst/>
+              </a:rPr>
+              <a:t>Metro Area</a:t>
+            </a:r>
+          </a:p>
+          <a:p>
+            <a:pPr algn="l"/>
+            <a:r>
+              <a:rPr lang="en-US" b="1" i="0" dirty="0">
+                <a:solidFill>
+                  <a:srgbClr val="111111"/>
+                </a:solidFill>
+                <a:effectLst/>
+                <a:latin typeface="Lato" panose="020F0502020204030203" pitchFamily="34" charset="0"/>
+              </a:rPr>
+              <a:t>Population - 2,985,871</a:t>
+            </a:r>
+            <a:endParaRPr lang="en-US" b="0" i="0" dirty="0">
+              <a:solidFill>
+                <a:srgbClr val="111111"/>
+              </a:solidFill>
+              <a:effectLst/>
+              <a:latin typeface="Lato" panose="020F0502020204030203" pitchFamily="34" charset="0"/>
+            </a:endParaRPr>
           </a:p>
         </p:txBody>
       </p:sp>
       <p:pic>
         <p:nvPicPr>
-          <p:cNvPr id="8" name="Picture 7">
+          <p:cNvPr id="9" name="Picture 8">
             <a:extLst>
               <a:ext uri="{FF2B5EF4-FFF2-40B4-BE49-F238E27FC236}">
-                <a16:creationId xmlns:a16="http://schemas.microsoft.com/office/drawing/2014/main" id="{0FCE0B75-CBC0-9929-1B7A-228BC64FA348}"/>
+                <a16:creationId xmlns:a16="http://schemas.microsoft.com/office/drawing/2014/main" id="{0EEB9405-4727-77E7-BCFA-1A456D68AAFF}"/>
               </a:ext>
             </a:extLst>
           </p:cNvPr>
@@ -24070,8 +26537,123 @@
         </p:blipFill>
         <p:spPr>
           <a:xfrm>
-            <a:off x="8312727" y="181663"/>
-            <a:ext cx="3275426" cy="6035276"/>
+            <a:off x="4931571" y="771855"/>
+            <a:ext cx="6660551" cy="1616121"/>
+          </a:xfrm>
+          <a:prstGeom prst="rect">
+            <a:avLst/>
+          </a:prstGeom>
+        </p:spPr>
+      </p:pic>
+      <p:sp>
+        <p:nvSpPr>
+          <p:cNvPr id="14" name="TextBox 13">
+            <a:extLst>
+              <a:ext uri="{FF2B5EF4-FFF2-40B4-BE49-F238E27FC236}">
+                <a16:creationId xmlns:a16="http://schemas.microsoft.com/office/drawing/2014/main" id="{55C3BFF4-0F31-60EC-D1D1-9EFC6E40C73D}"/>
+              </a:ext>
+            </a:extLst>
+          </p:cNvPr>
+          <p:cNvSpPr txBox="1"/>
+          <p:nvPr/>
+        </p:nvSpPr>
+        <p:spPr>
+          <a:xfrm>
+            <a:off x="1097280" y="3161143"/>
+            <a:ext cx="3579195" cy="2031325"/>
+          </a:xfrm>
+          <a:prstGeom prst="rect">
+            <a:avLst/>
+          </a:prstGeom>
+          <a:noFill/>
+        </p:spPr>
+        <p:txBody>
+          <a:bodyPr wrap="square" rtlCol="0">
+            <a:spAutoFit/>
+          </a:bodyPr>
+          <a:lstStyle/>
+          <a:p>
+            <a:r>
+              <a:rPr lang="en-US" b="1" dirty="0"/>
+              <a:t>Observations</a:t>
+            </a:r>
+          </a:p>
+          <a:p>
+            <a:pPr marL="285750" indent="-285750">
+              <a:buFont typeface="Arial" panose="020B0604020202020204" pitchFamily="34" charset="0"/>
+              <a:buChar char="•"/>
+            </a:pPr>
+            <a:r>
+              <a:rPr lang="en-US" dirty="0"/>
+              <a:t>Median Income is $98,975</a:t>
+            </a:r>
+          </a:p>
+          <a:p>
+            <a:pPr marL="285750" indent="-285750">
+              <a:buFont typeface="Arial" panose="020B0604020202020204" pitchFamily="34" charset="0"/>
+              <a:buChar char="•"/>
+            </a:pPr>
+            <a:r>
+              <a:rPr lang="en-US" dirty="0"/>
+              <a:t>32% make $100K-200K</a:t>
+            </a:r>
+          </a:p>
+          <a:p>
+            <a:pPr marL="285750" indent="-285750">
+              <a:buFont typeface="Arial" panose="020B0604020202020204" pitchFamily="34" charset="0"/>
+              <a:buChar char="•"/>
+            </a:pPr>
+            <a:r>
+              <a:rPr lang="en-US" dirty="0"/>
+              <a:t>50% make less than $100K</a:t>
+            </a:r>
+          </a:p>
+          <a:p>
+            <a:pPr marL="285750" indent="-285750">
+              <a:buFont typeface="Arial" panose="020B0604020202020204" pitchFamily="34" charset="0"/>
+              <a:buChar char="•"/>
+            </a:pPr>
+            <a:r>
+              <a:rPr lang="en-US" dirty="0"/>
+              <a:t>65% of population is 18-24</a:t>
+            </a:r>
+          </a:p>
+          <a:p>
+            <a:pPr marL="285750" indent="-285750">
+              <a:buFont typeface="Arial" panose="020B0604020202020204" pitchFamily="34" charset="0"/>
+              <a:buChar char="•"/>
+            </a:pPr>
+            <a:r>
+              <a:rPr lang="en-US" dirty="0"/>
+              <a:t>85% of population is white and Hispanic</a:t>
+            </a:r>
+          </a:p>
+        </p:txBody>
+      </p:sp>
+      <p:pic>
+        <p:nvPicPr>
+          <p:cNvPr id="15" name="Picture 14">
+            <a:extLst>
+              <a:ext uri="{FF2B5EF4-FFF2-40B4-BE49-F238E27FC236}">
+                <a16:creationId xmlns:a16="http://schemas.microsoft.com/office/drawing/2014/main" id="{039CF701-8922-BA6E-71A6-D1A7FB32BD20}"/>
+              </a:ext>
+            </a:extLst>
+          </p:cNvPr>
+          <p:cNvPicPr>
+            <a:picLocks noChangeAspect="1"/>
+          </p:cNvPicPr>
+          <p:nvPr/>
+        </p:nvPicPr>
+        <p:blipFill>
+          <a:blip r:embed="rId3"/>
+          <a:stretch>
+            <a:fillRect/>
+          </a:stretch>
+        </p:blipFill>
+        <p:spPr>
+          <a:xfrm>
+            <a:off x="4928616" y="2329557"/>
+            <a:ext cx="6663506" cy="3694496"/>
           </a:xfrm>
           <a:prstGeom prst="rect">
             <a:avLst/>
@@ -24081,7 +26663,7 @@
     </p:spTree>
     <p:extLst>
       <p:ext uri="{BB962C8B-B14F-4D97-AF65-F5344CB8AC3E}">
-        <p14:creationId xmlns:p14="http://schemas.microsoft.com/office/powerpoint/2010/main" val="1871678786"/>
+        <p14:creationId xmlns:p14="http://schemas.microsoft.com/office/powerpoint/2010/main" val="2238775762"/>
       </p:ext>
     </p:extLst>
   </p:cSld>
@@ -24126,19 +26708,21 @@
         </p:nvSpPr>
         <p:spPr/>
         <p:txBody>
-          <a:bodyPr/>
+          <a:bodyPr>
+            <a:normAutofit/>
+          </a:bodyPr>
           <a:lstStyle/>
           <a:p>
             <a:r>
-              <a:rPr lang="en-US" dirty="0"/>
-              <a:t>Los Angeles / Inglewood, </a:t>
+              <a:rPr lang="en-US" sz="3200" dirty="0"/>
+              <a:t>Denver, Colorado </a:t>
             </a:r>
             <a:br>
-              <a:rPr lang="en-US" dirty="0"/>
+              <a:rPr lang="en-US" sz="3200" dirty="0"/>
             </a:br>
             <a:r>
-              <a:rPr lang="en-US" dirty="0"/>
-              <a:t>California</a:t>
+              <a:rPr lang="en-US" sz="3200" dirty="0"/>
+              <a:t>Demographics</a:t>
             </a:r>
           </a:p>
         </p:txBody>
@@ -24148,7 +26732,7 @@
           <p:cNvPr id="4" name="TextBox 3">
             <a:extLst>
               <a:ext uri="{FF2B5EF4-FFF2-40B4-BE49-F238E27FC236}">
-                <a16:creationId xmlns:a16="http://schemas.microsoft.com/office/drawing/2014/main" id="{4FB4313A-E3AE-3B95-3C03-34786F884158}"/>
+                <a16:creationId xmlns:a16="http://schemas.microsoft.com/office/drawing/2014/main" id="{3E07A3BE-30E7-7526-50A0-1B2D7A8B2F0D}"/>
               </a:ext>
             </a:extLst>
           </p:cNvPr>
@@ -24179,7 +26763,82 @@
                   </a:schemeClr>
                 </a:solidFill>
               </a:rPr>
-              <a:t>Source : https://developer.ticketmaster.com/</a:t>
+              <a:t>Source : https://censusreporter.org/</a:t>
+            </a:r>
+          </a:p>
+        </p:txBody>
+      </p:sp>
+      <p:sp>
+        <p:nvSpPr>
+          <p:cNvPr id="3" name="TextBox 2">
+            <a:extLst>
+              <a:ext uri="{FF2B5EF4-FFF2-40B4-BE49-F238E27FC236}">
+                <a16:creationId xmlns:a16="http://schemas.microsoft.com/office/drawing/2014/main" id="{563BC42F-62F8-06D1-BC46-1A0F4BF0878F}"/>
+              </a:ext>
+            </a:extLst>
+          </p:cNvPr>
+          <p:cNvSpPr txBox="1"/>
+          <p:nvPr/>
+        </p:nvSpPr>
+        <p:spPr>
+          <a:xfrm>
+            <a:off x="1097280" y="2006600"/>
+            <a:ext cx="3579195" cy="2031325"/>
+          </a:xfrm>
+          <a:prstGeom prst="rect">
+            <a:avLst/>
+          </a:prstGeom>
+          <a:noFill/>
+        </p:spPr>
+        <p:txBody>
+          <a:bodyPr wrap="square" rtlCol="0">
+            <a:spAutoFit/>
+          </a:bodyPr>
+          <a:lstStyle/>
+          <a:p>
+            <a:r>
+              <a:rPr lang="en-US" b="1" dirty="0"/>
+              <a:t>Observations</a:t>
+            </a:r>
+          </a:p>
+          <a:p>
+            <a:pPr marL="285750" indent="-285750">
+              <a:buFont typeface="Arial" panose="020B0604020202020204" pitchFamily="34" charset="0"/>
+              <a:buChar char="•"/>
+            </a:pPr>
+            <a:r>
+              <a:rPr lang="en-US" dirty="0"/>
+              <a:t>65% of housing is owner occupied</a:t>
+            </a:r>
+          </a:p>
+          <a:p>
+            <a:pPr marL="285750" indent="-285750">
+              <a:buFont typeface="Arial" panose="020B0604020202020204" pitchFamily="34" charset="0"/>
+              <a:buChar char="•"/>
+            </a:pPr>
+            <a:r>
+              <a:rPr lang="en-US" dirty="0"/>
+              <a:t>66% are single unit structures</a:t>
+            </a:r>
+          </a:p>
+          <a:p>
+            <a:pPr marL="285750" indent="-285750">
+              <a:buFont typeface="Arial" panose="020B0604020202020204" pitchFamily="34" charset="0"/>
+              <a:buChar char="•"/>
+            </a:pPr>
+            <a:r>
+              <a:rPr lang="en-US" dirty="0"/>
+              <a:t>The median value is $596,800</a:t>
+            </a:r>
+          </a:p>
+          <a:p>
+            <a:pPr marL="285750" indent="-285750">
+              <a:buFont typeface="Arial" panose="020B0604020202020204" pitchFamily="34" charset="0"/>
+              <a:buChar char="•"/>
+            </a:pPr>
+            <a:r>
+              <a:rPr lang="en-US" dirty="0"/>
+              <a:t>53% of homes are valued at $500K - $1M</a:t>
             </a:r>
           </a:p>
         </p:txBody>
@@ -24189,7 +26848,7 @@
           <p:cNvPr id="6" name="Picture 5">
             <a:extLst>
               <a:ext uri="{FF2B5EF4-FFF2-40B4-BE49-F238E27FC236}">
-                <a16:creationId xmlns:a16="http://schemas.microsoft.com/office/drawing/2014/main" id="{62D6D283-8677-564E-F707-31BFC9002A5B}"/>
+                <a16:creationId xmlns:a16="http://schemas.microsoft.com/office/drawing/2014/main" id="{3E517A35-77B9-D296-B90F-FBC062A1A78C}"/>
               </a:ext>
             </a:extLst>
           </p:cNvPr>
@@ -24206,8 +26865,8 @@
         </p:blipFill>
         <p:spPr>
           <a:xfrm>
-            <a:off x="8617527" y="161380"/>
-            <a:ext cx="3269673" cy="6024674"/>
+            <a:off x="4772278" y="639838"/>
+            <a:ext cx="7413379" cy="5578323"/>
           </a:xfrm>
           <a:prstGeom prst="rect">
             <a:avLst/>
@@ -24217,7 +26876,7 @@
     </p:spTree>
     <p:extLst>
       <p:ext uri="{BB962C8B-B14F-4D97-AF65-F5344CB8AC3E}">
-        <p14:creationId xmlns:p14="http://schemas.microsoft.com/office/powerpoint/2010/main" val="1240836753"/>
+        <p14:creationId xmlns:p14="http://schemas.microsoft.com/office/powerpoint/2010/main" val="2810276858"/>
       </p:ext>
     </p:extLst>
   </p:cSld>

--- a/Support_Live_Music_Project1_Group4.pptx
+++ b/Support_Live_Music_Project1_Group4.pptx
@@ -4266,10 +4266,30 @@
               <a:rPr lang="en-US" b="1" dirty="0">
                 <a:effectLst/>
               </a:rPr>
-              <a:t>Los Angeles, CA</a:t>
+              <a:t>Los Angeles</a:t>
+            </a:r>
+            <a:r>
+              <a:rPr lang="en-US" b="1" dirty="0"/>
+              <a:t>-Long Beach-Anaheim,</a:t>
+            </a:r>
+            <a:r>
+              <a:rPr lang="en-US" b="1" dirty="0">
+                <a:effectLst/>
+              </a:rPr>
+              <a:t> </a:t>
             </a:r>
           </a:p>
           <a:p>
+            <a:r>
+              <a:rPr lang="en-US" b="1" dirty="0">
+                <a:effectLst/>
+              </a:rPr>
+              <a:t>CA</a:t>
+            </a:r>
+            <a:r>
+              <a:rPr lang="en-US" b="1" dirty="0"/>
+              <a:t> </a:t>
+            </a:r>
             <a:r>
               <a:rPr lang="en-US" b="1" dirty="0">
                 <a:effectLst/>
@@ -4287,7 +4307,7 @@
                 <a:effectLst/>
                 <a:latin typeface="Lato" panose="020F0502020204030203" pitchFamily="34" charset="0"/>
               </a:rPr>
-              <a:t>Population – 3,822,224</a:t>
+              <a:t>Population – 12,872,322</a:t>
             </a:r>
             <a:endParaRPr lang="en-US" b="0" i="0" dirty="0">
               <a:solidFill>
@@ -4299,64 +4319,6 @@
           </a:p>
         </p:txBody>
       </p:sp>
-      <p:pic>
-        <p:nvPicPr>
-          <p:cNvPr id="9" name="Picture 8">
-            <a:extLst>
-              <a:ext uri="{FF2B5EF4-FFF2-40B4-BE49-F238E27FC236}">
-                <a16:creationId xmlns:a16="http://schemas.microsoft.com/office/drawing/2014/main" id="{D6EF6ACD-4602-9951-6F3C-AD3CC924F38E}"/>
-              </a:ext>
-            </a:extLst>
-          </p:cNvPr>
-          <p:cNvPicPr>
-            <a:picLocks noChangeAspect="1"/>
-          </p:cNvPicPr>
-          <p:nvPr/>
-        </p:nvPicPr>
-        <p:blipFill rotWithShape="1">
-          <a:blip r:embed="rId2"/>
-          <a:srcRect b="34552"/>
-          <a:stretch/>
-        </p:blipFill>
-        <p:spPr>
-          <a:xfrm>
-            <a:off x="5375429" y="2423132"/>
-            <a:ext cx="6697309" cy="3753855"/>
-          </a:xfrm>
-          <a:prstGeom prst="rect">
-            <a:avLst/>
-          </a:prstGeom>
-        </p:spPr>
-      </p:pic>
-      <p:pic>
-        <p:nvPicPr>
-          <p:cNvPr id="10" name="Picture 9">
-            <a:extLst>
-              <a:ext uri="{FF2B5EF4-FFF2-40B4-BE49-F238E27FC236}">
-                <a16:creationId xmlns:a16="http://schemas.microsoft.com/office/drawing/2014/main" id="{8AAC2A0B-4087-4B7B-74B7-BF3DE9A77C0C}"/>
-              </a:ext>
-            </a:extLst>
-          </p:cNvPr>
-          <p:cNvPicPr>
-            <a:picLocks noChangeAspect="1"/>
-          </p:cNvPicPr>
-          <p:nvPr/>
-        </p:nvPicPr>
-        <p:blipFill rotWithShape="1">
-          <a:blip r:embed="rId2"/>
-          <a:srcRect t="73194"/>
-          <a:stretch/>
-        </p:blipFill>
-        <p:spPr>
-          <a:xfrm>
-            <a:off x="5375429" y="785092"/>
-            <a:ext cx="6697309" cy="1537524"/>
-          </a:xfrm>
-          <a:prstGeom prst="rect">
-            <a:avLst/>
-          </a:prstGeom>
-        </p:spPr>
-      </p:pic>
       <p:sp>
         <p:nvSpPr>
           <p:cNvPr id="11" name="TextBox 10">
@@ -4397,7 +4359,7 @@
             </a:pPr>
             <a:r>
               <a:rPr lang="en-US" dirty="0"/>
-              <a:t>Median Income is $76,135</a:t>
+              <a:t>Median Income is $87,743</a:t>
             </a:r>
           </a:p>
           <a:p>
@@ -4407,7 +4369,7 @@
             </a:pPr>
             <a:r>
               <a:rPr lang="en-US" dirty="0"/>
-              <a:t>35% make under $50K</a:t>
+              <a:t>29% make under $50K</a:t>
             </a:r>
           </a:p>
           <a:p>
@@ -4417,7 +4379,7 @@
             </a:pPr>
             <a:r>
               <a:rPr lang="en-US" dirty="0"/>
-              <a:t>67% of population is 18-24</a:t>
+              <a:t>64% of the population is 18-24</a:t>
             </a:r>
           </a:p>
           <a:p>
@@ -4427,7 +4389,7 @@
             </a:pPr>
             <a:r>
               <a:rPr lang="en-US" dirty="0"/>
-              <a:t>76% of population is white and Hispanic</a:t>
+              <a:t>73% of the population is white and Hispanic</a:t>
             </a:r>
           </a:p>
         </p:txBody>
@@ -4473,6 +4435,64 @@
           </a:p>
         </p:txBody>
       </p:sp>
+      <p:pic>
+        <p:nvPicPr>
+          <p:cNvPr id="16" name="Picture 15">
+            <a:extLst>
+              <a:ext uri="{FF2B5EF4-FFF2-40B4-BE49-F238E27FC236}">
+                <a16:creationId xmlns:a16="http://schemas.microsoft.com/office/drawing/2014/main" id="{FA5A04D9-294A-1ED8-F5D9-57D03645AA9D}"/>
+              </a:ext>
+            </a:extLst>
+          </p:cNvPr>
+          <p:cNvPicPr>
+            <a:picLocks noChangeAspect="1"/>
+          </p:cNvPicPr>
+          <p:nvPr/>
+        </p:nvPicPr>
+        <p:blipFill rotWithShape="1">
+          <a:blip r:embed="rId2"/>
+          <a:srcRect b="36404"/>
+          <a:stretch/>
+        </p:blipFill>
+        <p:spPr>
+          <a:xfrm>
+            <a:off x="5227609" y="2269414"/>
+            <a:ext cx="6964391" cy="3935452"/>
+          </a:xfrm>
+          <a:prstGeom prst="rect">
+            <a:avLst/>
+          </a:prstGeom>
+        </p:spPr>
+      </p:pic>
+      <p:pic>
+        <p:nvPicPr>
+          <p:cNvPr id="17" name="Picture 16">
+            <a:extLst>
+              <a:ext uri="{FF2B5EF4-FFF2-40B4-BE49-F238E27FC236}">
+                <a16:creationId xmlns:a16="http://schemas.microsoft.com/office/drawing/2014/main" id="{2D52EFD5-3D50-E27E-624A-BAE9D75BB7EB}"/>
+              </a:ext>
+            </a:extLst>
+          </p:cNvPr>
+          <p:cNvPicPr>
+            <a:picLocks noChangeAspect="1"/>
+          </p:cNvPicPr>
+          <p:nvPr/>
+        </p:nvPicPr>
+        <p:blipFill rotWithShape="1">
+          <a:blip r:embed="rId2"/>
+          <a:srcRect t="70598"/>
+          <a:stretch/>
+        </p:blipFill>
+        <p:spPr>
+          <a:xfrm>
+            <a:off x="5227608" y="462849"/>
+            <a:ext cx="6964391" cy="1819471"/>
+          </a:xfrm>
+          <a:prstGeom prst="rect">
+            <a:avLst/>
+          </a:prstGeom>
+        </p:spPr>
+      </p:pic>
     </p:spTree>
     <p:extLst>
       <p:ext uri="{BB962C8B-B14F-4D97-AF65-F5344CB8AC3E}">
@@ -4545,36 +4565,6 @@
           </a:p>
         </p:txBody>
       </p:sp>
-      <p:pic>
-        <p:nvPicPr>
-          <p:cNvPr id="7" name="Picture 6">
-            <a:extLst>
-              <a:ext uri="{FF2B5EF4-FFF2-40B4-BE49-F238E27FC236}">
-                <a16:creationId xmlns:a16="http://schemas.microsoft.com/office/drawing/2014/main" id="{BF1518FA-512C-1D77-89F2-CDFB2402FFD8}"/>
-              </a:ext>
-            </a:extLst>
-          </p:cNvPr>
-          <p:cNvPicPr>
-            <a:picLocks noChangeAspect="1"/>
-          </p:cNvPicPr>
-          <p:nvPr/>
-        </p:nvPicPr>
-        <p:blipFill>
-          <a:blip r:embed="rId2"/>
-          <a:stretch>
-            <a:fillRect/>
-          </a:stretch>
-        </p:blipFill>
-        <p:spPr>
-          <a:xfrm>
-            <a:off x="4714902" y="542514"/>
-            <a:ext cx="7477099" cy="5634474"/>
-          </a:xfrm>
-          <a:prstGeom prst="rect">
-            <a:avLst/>
-          </a:prstGeom>
-        </p:spPr>
-      </p:pic>
       <p:sp>
         <p:nvSpPr>
           <p:cNvPr id="8" name="TextBox 7">
@@ -4615,7 +4605,7 @@
             </a:pPr>
             <a:r>
               <a:rPr lang="en-US" dirty="0"/>
-              <a:t>64% of housing is renter-occupied</a:t>
+              <a:t>52% of housing is renter-occupied</a:t>
             </a:r>
           </a:p>
           <a:p>
@@ -4625,7 +4615,7 @@
             </a:pPr>
             <a:r>
               <a:rPr lang="en-US" dirty="0"/>
-              <a:t>57% are multi-unit structures</a:t>
+              <a:t>56% are single-unit structures</a:t>
             </a:r>
           </a:p>
           <a:p>
@@ -4635,7 +4625,7 @@
             </a:pPr>
             <a:r>
               <a:rPr lang="en-US" dirty="0"/>
-              <a:t>The median value is $903,700</a:t>
+              <a:t>The median value is $847,400</a:t>
             </a:r>
           </a:p>
           <a:p>
@@ -4645,7 +4635,7 @@
             </a:pPr>
             <a:r>
               <a:rPr lang="en-US" dirty="0"/>
-              <a:t>47% of homes are valued at $500K - $1M</a:t>
+              <a:t>50% of homes are valued at $500K - $1M</a:t>
             </a:r>
           </a:p>
         </p:txBody>
@@ -4691,6 +4681,36 @@
           </a:p>
         </p:txBody>
       </p:sp>
+      <p:pic>
+        <p:nvPicPr>
+          <p:cNvPr id="13" name="Picture 12">
+            <a:extLst>
+              <a:ext uri="{FF2B5EF4-FFF2-40B4-BE49-F238E27FC236}">
+                <a16:creationId xmlns:a16="http://schemas.microsoft.com/office/drawing/2014/main" id="{81E4EEEC-1291-4BC9-7147-9903786BD43D}"/>
+              </a:ext>
+            </a:extLst>
+          </p:cNvPr>
+          <p:cNvPicPr>
+            <a:picLocks noChangeAspect="1"/>
+          </p:cNvPicPr>
+          <p:nvPr/>
+        </p:nvPicPr>
+        <p:blipFill>
+          <a:blip r:embed="rId2"/>
+          <a:stretch>
+            <a:fillRect/>
+          </a:stretch>
+        </p:blipFill>
+        <p:spPr>
+          <a:xfrm>
+            <a:off x="4739475" y="603849"/>
+            <a:ext cx="7452526" cy="5684259"/>
+          </a:xfrm>
+          <a:prstGeom prst="rect">
+            <a:avLst/>
+          </a:prstGeom>
+        </p:spPr>
+      </p:pic>
     </p:spTree>
     <p:extLst>
       <p:ext uri="{BB962C8B-B14F-4D97-AF65-F5344CB8AC3E}">

--- a/Support_Live_Music_Project1_Group4.pptx
+++ b/Support_Live_Music_Project1_Group4.pptx
@@ -357,7 +357,7 @@
           <a:p>
             <a:fld id="{DC2F96AA-93CC-471B-9B55-9675E116324B}" type="datetimeFigureOut">
               <a:rPr lang="en-US" smtClean="0"/>
-              <a:t>11/19/2023</a:t>
+              <a:t>11/20/2023</a:t>
             </a:fld>
             <a:endParaRPr lang="en-US"/>
           </a:p>
@@ -565,7 +565,7 @@
           <a:p>
             <a:fld id="{DC2F96AA-93CC-471B-9B55-9675E116324B}" type="datetimeFigureOut">
               <a:rPr lang="en-US" smtClean="0"/>
-              <a:t>11/19/2023</a:t>
+              <a:t>11/20/2023</a:t>
             </a:fld>
             <a:endParaRPr lang="en-US"/>
           </a:p>
@@ -821,7 +821,7 @@
           <a:p>
             <a:fld id="{DC2F96AA-93CC-471B-9B55-9675E116324B}" type="datetimeFigureOut">
               <a:rPr lang="en-US" smtClean="0"/>
-              <a:t>11/19/2023</a:t>
+              <a:t>11/20/2023</a:t>
             </a:fld>
             <a:endParaRPr lang="en-US"/>
           </a:p>
@@ -991,7 +991,7 @@
           <a:p>
             <a:fld id="{DC2F96AA-93CC-471B-9B55-9675E116324B}" type="datetimeFigureOut">
               <a:rPr lang="en-US" smtClean="0"/>
-              <a:t>11/19/2023</a:t>
+              <a:t>11/20/2023</a:t>
             </a:fld>
             <a:endParaRPr lang="en-US"/>
           </a:p>
@@ -1334,7 +1334,7 @@
           <a:p>
             <a:fld id="{DC2F96AA-93CC-471B-9B55-9675E116324B}" type="datetimeFigureOut">
               <a:rPr lang="en-US" smtClean="0"/>
-              <a:t>11/19/2023</a:t>
+              <a:t>11/20/2023</a:t>
             </a:fld>
             <a:endParaRPr lang="en-US"/>
           </a:p>
@@ -1609,7 +1609,7 @@
           <a:p>
             <a:fld id="{DC2F96AA-93CC-471B-9B55-9675E116324B}" type="datetimeFigureOut">
               <a:rPr lang="en-US" smtClean="0"/>
-              <a:t>11/19/2023</a:t>
+              <a:t>11/20/2023</a:t>
             </a:fld>
             <a:endParaRPr lang="en-US"/>
           </a:p>
@@ -1988,7 +1988,7 @@
           <a:p>
             <a:fld id="{DC2F96AA-93CC-471B-9B55-9675E116324B}" type="datetimeFigureOut">
               <a:rPr lang="en-US" smtClean="0"/>
-              <a:t>11/19/2023</a:t>
+              <a:t>11/20/2023</a:t>
             </a:fld>
             <a:endParaRPr lang="en-US"/>
           </a:p>
@@ -2106,7 +2106,7 @@
           <a:p>
             <a:fld id="{DC2F96AA-93CC-471B-9B55-9675E116324B}" type="datetimeFigureOut">
               <a:rPr lang="en-US" smtClean="0"/>
-              <a:t>11/19/2023</a:t>
+              <a:t>11/20/2023</a:t>
             </a:fld>
             <a:endParaRPr lang="en-US"/>
           </a:p>
@@ -2277,7 +2277,7 @@
           <a:p>
             <a:fld id="{DC2F96AA-93CC-471B-9B55-9675E116324B}" type="datetimeFigureOut">
               <a:rPr lang="en-US" smtClean="0"/>
-              <a:t>11/19/2023</a:t>
+              <a:t>11/20/2023</a:t>
             </a:fld>
             <a:endParaRPr lang="en-US"/>
           </a:p>
@@ -2631,7 +2631,7 @@
           <a:p>
             <a:fld id="{DC2F96AA-93CC-471B-9B55-9675E116324B}" type="datetimeFigureOut">
               <a:rPr lang="en-US" smtClean="0"/>
-              <a:t>11/19/2023</a:t>
+              <a:t>11/20/2023</a:t>
             </a:fld>
             <a:endParaRPr lang="en-US"/>
           </a:p>
@@ -3008,7 +3008,7 @@
           <a:p>
             <a:fld id="{DC2F96AA-93CC-471B-9B55-9675E116324B}" type="datetimeFigureOut">
               <a:rPr lang="en-US" smtClean="0"/>
-              <a:t>11/19/2023</a:t>
+              <a:t>11/20/2023</a:t>
             </a:fld>
             <a:endParaRPr lang="en-US"/>
           </a:p>
@@ -3295,7 +3295,7 @@
           <a:p>
             <a:fld id="{DC2F96AA-93CC-471B-9B55-9675E116324B}" type="datetimeFigureOut">
               <a:rPr lang="en-US" smtClean="0"/>
-              <a:t>11/19/2023</a:t>
+              <a:t>11/20/2023</a:t>
             </a:fld>
             <a:endParaRPr lang="en-US"/>
           </a:p>
@@ -4047,7 +4047,7 @@
         <p:spPr>
           <a:xfrm>
             <a:off x="1180027" y="3429000"/>
-            <a:ext cx="6107463" cy="1477328"/>
+            <a:ext cx="6107463" cy="1754326"/>
           </a:xfrm>
           <a:prstGeom prst="rect">
             <a:avLst/>
@@ -4102,7 +4102,7 @@
             </a:pPr>
             <a:r>
               <a:rPr lang="en-US" dirty="0"/>
-              <a:t>The max price would be a burden for most of the population</a:t>
+              <a:t>The max price would be cost-prohibitive for most of the population</a:t>
             </a:r>
           </a:p>
         </p:txBody>
@@ -4579,7 +4579,7 @@
         </p:nvSpPr>
         <p:spPr>
           <a:xfrm>
-            <a:off x="644703" y="4120064"/>
+            <a:off x="644703" y="2248135"/>
             <a:ext cx="4070199" cy="1754326"/>
           </a:xfrm>
           <a:prstGeom prst="rect">
@@ -4793,7 +4793,7 @@
         <p:spPr>
           <a:xfrm>
             <a:off x="1180027" y="3429000"/>
-            <a:ext cx="6550809" cy="1754326"/>
+            <a:ext cx="6550809" cy="2031325"/>
           </a:xfrm>
           <a:prstGeom prst="rect">
             <a:avLst/>
@@ -4818,7 +4818,7 @@
             </a:pPr>
             <a:r>
               <a:rPr lang="en-US" dirty="0"/>
-              <a:t>The minimum price is similar for all artists except Depeche Mode.</a:t>
+              <a:t>The minimum price is similar for all artists.</a:t>
             </a:r>
           </a:p>
           <a:p>
@@ -4848,7 +4848,7 @@
             </a:pPr>
             <a:r>
               <a:rPr lang="en-US" dirty="0"/>
-              <a:t>The max price would be a burden for most of the population</a:t>
+              <a:t>The max price would be cost-prohibitive for most of the population</a:t>
             </a:r>
           </a:p>
         </p:txBody>
@@ -5180,7 +5180,7 @@
         <p:spPr>
           <a:xfrm>
             <a:off x="1097280" y="3161143"/>
-            <a:ext cx="3579195" cy="1754326"/>
+            <a:ext cx="3579195" cy="2031325"/>
           </a:xfrm>
           <a:prstGeom prst="rect">
             <a:avLst/>
@@ -5216,6 +5216,16 @@
             <a:r>
               <a:rPr lang="en-US" dirty="0"/>
               <a:t>31% make between $100-200K</a:t>
+            </a:r>
+          </a:p>
+          <a:p>
+            <a:pPr marL="285750" indent="-285750">
+              <a:buFont typeface="Arial" panose="020B0604020202020204" pitchFamily="34" charset="0"/>
+              <a:buChar char="•"/>
+            </a:pPr>
+            <a:r>
+              <a:rPr lang="en-US" dirty="0"/>
+              <a:t>47% make under $100K</a:t>
             </a:r>
           </a:p>
           <a:p>
@@ -5432,7 +5442,7 @@
         </p:nvSpPr>
         <p:spPr>
           <a:xfrm>
-            <a:off x="644703" y="2006600"/>
+            <a:off x="644703" y="2256759"/>
             <a:ext cx="4070199" cy="1754326"/>
           </a:xfrm>
           <a:prstGeom prst="rect">
@@ -5629,7 +5639,7 @@
         </p:nvSpPr>
         <p:spPr>
           <a:xfrm>
-            <a:off x="1180027" y="3429000"/>
+            <a:off x="1119645" y="3429000"/>
             <a:ext cx="6855609" cy="1477328"/>
           </a:xfrm>
           <a:prstGeom prst="rect">
@@ -5685,7 +5695,7 @@
             </a:pPr>
             <a:r>
               <a:rPr lang="en-US" dirty="0"/>
-              <a:t>The max price would be a burden for most of the population</a:t>
+              <a:t>The max price would be cost-prohibitive for most of the population.</a:t>
             </a:r>
           </a:p>
         </p:txBody>
@@ -5993,7 +6003,7 @@
         <p:spPr>
           <a:xfrm>
             <a:off x="1097280" y="3161143"/>
-            <a:ext cx="3579195" cy="1477328"/>
+            <a:ext cx="3579195" cy="1754326"/>
           </a:xfrm>
           <a:prstGeom prst="rect">
             <a:avLst/>
@@ -6029,6 +6039,16 @@
             <a:r>
               <a:rPr lang="en-US" dirty="0"/>
               <a:t>31% make between $100-200K</a:t>
+            </a:r>
+          </a:p>
+          <a:p>
+            <a:pPr marL="285750" indent="-285750">
+              <a:buFont typeface="Arial" panose="020B0604020202020204" pitchFamily="34" charset="0"/>
+              <a:buChar char="•"/>
+            </a:pPr>
+            <a:r>
+              <a:rPr lang="en-US" dirty="0"/>
+              <a:t>55% make under $100K</a:t>
             </a:r>
           </a:p>
           <a:p>
@@ -6464,7 +6484,7 @@
             </a:pPr>
             <a:r>
               <a:rPr lang="en-US" dirty="0"/>
-              <a:t>The max price would be a burden for most of the population</a:t>
+              <a:t>The max price would be cost-prohibitive for most of the population</a:t>
             </a:r>
           </a:p>
         </p:txBody>
@@ -6846,7 +6866,7 @@
             </a:pPr>
             <a:r>
               <a:rPr lang="en-US" dirty="0"/>
-              <a:t>The Minneapolis / St. Paul area is the most affordable market yet it had the highest ticket prices for Green Day and Tim McGraw due to VIP packages.</a:t>
+              <a:t>The Minneapolis / St. Paul area is the most affordable market based on cost of living. But it had the highest ticket prices for Green Day and Tim McGraw due to VIP packages.</a:t>
             </a:r>
           </a:p>
           <a:p>
@@ -6856,7 +6876,7 @@
             </a:pPr>
             <a:r>
               <a:rPr lang="en-US" dirty="0"/>
-              <a:t>The Los Angeles metro area had the highest housing cost and the lowest income, but the ticket prices were still high.</a:t>
+              <a:t>The Los Angeles metro area had the highest housing cost and the lowest income, but the ticket prices were still high and would be cost-prohibitive for most of the population.</a:t>
             </a:r>
           </a:p>
           <a:p>
@@ -6866,7 +6886,7 @@
             </a:pPr>
             <a:r>
               <a:rPr lang="en-US" dirty="0"/>
-              <a:t>Overall, the minimum ticket prices are affordable for most of the population in the markets we studied.  But the highest ticket prices would be a burden for most of the population.</a:t>
+              <a:t>Overall, the minimum ticket prices are affordable for most of the population in the markets we studied.  But the highest ticket prices would be cost-prohibitive for most of the population.</a:t>
             </a:r>
           </a:p>
           <a:p>
@@ -7282,7 +7302,7 @@
         <p:spPr>
           <a:xfrm>
             <a:off x="720873" y="3976777"/>
-            <a:ext cx="5257233" cy="1477328"/>
+            <a:ext cx="6594327" cy="1477328"/>
           </a:xfrm>
           <a:prstGeom prst="rect">
             <a:avLst/>
@@ -7317,7 +7337,7 @@
             </a:pPr>
             <a:r>
               <a:rPr lang="en-US" dirty="0"/>
-              <a:t>Price ranges are mostly consistent across markets</a:t>
+              <a:t>The Depeche Mode price ranges vary more than the other artists</a:t>
             </a:r>
           </a:p>
           <a:p>
@@ -13672,7 +13692,7 @@
         <p:spPr>
           <a:xfrm>
             <a:off x="720873" y="3976777"/>
-            <a:ext cx="5257233" cy="1754326"/>
+            <a:ext cx="5602289" cy="1754326"/>
           </a:xfrm>
           <a:prstGeom prst="rect">
             <a:avLst/>
@@ -13707,7 +13727,7 @@
             </a:pPr>
             <a:r>
               <a:rPr lang="en-US" dirty="0"/>
-              <a:t>Price ranges are mostly consistent across markets</a:t>
+              <a:t>Price ranges are mostly consistent across the markets</a:t>
             </a:r>
           </a:p>
           <a:p>
@@ -26802,7 +26822,7 @@
         </p:nvSpPr>
         <p:spPr>
           <a:xfrm>
-            <a:off x="1097280" y="2006600"/>
+            <a:off x="1097280" y="2265392"/>
             <a:ext cx="3579195" cy="2031325"/>
           </a:xfrm>
           <a:prstGeom prst="rect">
@@ -26828,7 +26848,7 @@
             </a:pPr>
             <a:r>
               <a:rPr lang="en-US" dirty="0"/>
-              <a:t>65% of housing is owner occupied</a:t>
+              <a:t>65% of housing is owner-occupied</a:t>
             </a:r>
           </a:p>
           <a:p>
@@ -26838,7 +26858,7 @@
             </a:pPr>
             <a:r>
               <a:rPr lang="en-US" dirty="0"/>
-              <a:t>66% are single unit structures</a:t>
+              <a:t>66% are single-unit structures</a:t>
             </a:r>
           </a:p>
           <a:p>

--- a/Support_Live_Music_Project1_Group4.pptx
+++ b/Support_Live_Music_Project1_Group4.pptx
@@ -6898,6 +6898,68 @@
           </a:p>
         </p:txBody>
       </p:sp>
+      <p:sp>
+        <p:nvSpPr>
+          <p:cNvPr id="3" name="TextBox 2">
+            <a:extLst>
+              <a:ext uri="{FF2B5EF4-FFF2-40B4-BE49-F238E27FC236}">
+                <a16:creationId xmlns:a16="http://schemas.microsoft.com/office/drawing/2014/main" id="{F62434CD-A440-339B-2EA3-5F0C2E24582F}"/>
+              </a:ext>
+            </a:extLst>
+          </p:cNvPr>
+          <p:cNvSpPr txBox="1"/>
+          <p:nvPr/>
+        </p:nvSpPr>
+        <p:spPr>
+          <a:xfrm>
+            <a:off x="603848" y="6038488"/>
+            <a:ext cx="4848045" cy="276999"/>
+          </a:xfrm>
+          <a:prstGeom prst="rect">
+            <a:avLst/>
+          </a:prstGeom>
+          <a:noFill/>
+        </p:spPr>
+        <p:txBody>
+          <a:bodyPr wrap="square" rtlCol="0">
+            <a:spAutoFit/>
+          </a:bodyPr>
+          <a:lstStyle/>
+          <a:p>
+            <a:r>
+              <a:rPr lang="en-US" sz="1200" dirty="0">
+                <a:solidFill>
+                  <a:schemeClr val="bg1">
+                    <a:lumMod val="50000"/>
+                  </a:schemeClr>
+                </a:solidFill>
+              </a:rPr>
+              <a:t>Source : </a:t>
+            </a:r>
+            <a:r>
+              <a:rPr lang="en-US" sz="1200" dirty="0">
+                <a:solidFill>
+                  <a:schemeClr val="bg1">
+                    <a:lumMod val="50000"/>
+                  </a:schemeClr>
+                </a:solidFill>
+                <a:hlinkClick r:id="rId2"/>
+              </a:rPr>
+              <a:t>https://developer.ticketmaster.com</a:t>
+            </a:r>
+            <a:r>
+              <a:rPr lang="en-US" sz="1200" dirty="0">
+                <a:solidFill>
+                  <a:schemeClr val="bg1">
+                    <a:lumMod val="50000"/>
+                  </a:schemeClr>
+                </a:solidFill>
+              </a:rPr>
+              <a:t> and censusreporter.org</a:t>
+            </a:r>
+          </a:p>
+        </p:txBody>
+      </p:sp>
     </p:spTree>
     <p:extLst>
       <p:ext uri="{BB962C8B-B14F-4D97-AF65-F5344CB8AC3E}">
@@ -7302,7 +7364,7 @@
         <p:spPr>
           <a:xfrm>
             <a:off x="720873" y="3976777"/>
-            <a:ext cx="6594327" cy="1477328"/>
+            <a:ext cx="6594327" cy="1754326"/>
           </a:xfrm>
           <a:prstGeom prst="rect">
             <a:avLst/>
@@ -7358,6 +7420,16 @@
             <a:r>
               <a:rPr lang="en-US" dirty="0"/>
               <a:t>California is the most expensive markets</a:t>
+            </a:r>
+          </a:p>
+          <a:p>
+            <a:pPr marL="285750" indent="-285750">
+              <a:buFont typeface="Arial" panose="020B0604020202020204" pitchFamily="34" charset="0"/>
+              <a:buChar char="•"/>
+            </a:pPr>
+            <a:r>
+              <a:rPr lang="en-US" dirty="0"/>
+              <a:t>The Friday show in LA is more expensive than the Sunday show</a:t>
             </a:r>
           </a:p>
         </p:txBody>

--- a/Support_Live_Music_Project1_Group4.pptx
+++ b/Support_Live_Music_Project1_Group4.pptx
@@ -4379,7 +4379,7 @@
             </a:pPr>
             <a:r>
               <a:rPr lang="en-US" dirty="0"/>
-              <a:t>64% of the population is 18-24</a:t>
+              <a:t>64% of the population is 18-64</a:t>
             </a:r>
           </a:p>
           <a:p>
@@ -5235,7 +5235,7 @@
             </a:pPr>
             <a:r>
               <a:rPr lang="en-US" dirty="0"/>
-              <a:t>65% of population is 18-24</a:t>
+              <a:t>65% of population is 18-64</a:t>
             </a:r>
           </a:p>
           <a:p>
@@ -6058,7 +6058,7 @@
             </a:pPr>
             <a:r>
               <a:rPr lang="en-US" dirty="0"/>
-              <a:t>61% of population is 18-24</a:t>
+              <a:t>61% of population is 18-64</a:t>
             </a:r>
           </a:p>
           <a:p>
@@ -26727,7 +26727,7 @@
             </a:pPr>
             <a:r>
               <a:rPr lang="en-US" dirty="0"/>
-              <a:t>65% of population is 18-24</a:t>
+              <a:t>65% of population is 18-64</a:t>
             </a:r>
           </a:p>
           <a:p>
